--- a/graduation_design/my_paper/000-201600030110090-雷明.pptx
+++ b/graduation_design/my_paper/000-201600030110090-雷明.pptx
@@ -197,7 +197,7 @@
           </a:lstStyle>
           <a:p>
             <a:r>
-              <a:rPr lang="en-US" smtClean="0"/>
+              <a:rPr lang="en-US"/>
               <a:t>Click to edit Master title style</a:t>
             </a:r>
             <a:endParaRPr lang="en-US" dirty="0"/>
@@ -270,7 +270,7 @@
           </a:lstStyle>
           <a:p>
             <a:r>
-              <a:rPr lang="en-US" smtClean="0"/>
+              <a:rPr lang="en-US"/>
               <a:t>Click to edit Master subtitle style</a:t>
             </a:r>
             <a:endParaRPr lang="en-US" dirty="0"/>
@@ -294,7 +294,7 @@
           <a:p>
             <a:fld id="{48A87A34-81AB-432B-8DAE-1953F412C126}" type="datetimeFigureOut">
               <a:rPr lang="en-US" dirty="0"/>
-              <a:t>11/9/18</a:t>
+              <a:t>2018-11-20</a:t>
             </a:fld>
             <a:endParaRPr lang="en-US" dirty="0"/>
           </a:p>
@@ -422,7 +422,7 @@
           </a:lstStyle>
           <a:p>
             <a:r>
-              <a:rPr lang="en-US" smtClean="0"/>
+              <a:rPr lang="en-US"/>
               <a:t>Click to edit Master title style</a:t>
             </a:r>
             <a:endParaRPr lang="en-US" dirty="0"/>
@@ -512,7 +512,7 @@
           </a:lstStyle>
           <a:p>
             <a:r>
-              <a:rPr lang="en-US" smtClean="0"/>
+              <a:rPr lang="en-US"/>
               <a:t>Drag picture to placeholder or click icon to add</a:t>
             </a:r>
             <a:endParaRPr lang="en-US" dirty="0"/>
@@ -578,7 +578,7 @@
           <a:p>
             <a:pPr lvl="0"/>
             <a:r>
-              <a:rPr lang="en-US" smtClean="0"/>
+              <a:rPr lang="en-US"/>
               <a:t>Click to edit Master text styles</a:t>
             </a:r>
           </a:p>
@@ -601,7 +601,7 @@
           <a:p>
             <a:fld id="{48A87A34-81AB-432B-8DAE-1953F412C126}" type="datetimeFigureOut">
               <a:rPr lang="en-US" dirty="0"/>
-              <a:t>11/9/18</a:t>
+              <a:t>2018-11-20</a:t>
             </a:fld>
             <a:endParaRPr lang="en-US" dirty="0"/>
           </a:p>
@@ -729,7 +729,7 @@
           </a:lstStyle>
           <a:p>
             <a:r>
-              <a:rPr lang="en-US" smtClean="0"/>
+              <a:rPr lang="en-US"/>
               <a:t>Click to edit Master title style</a:t>
             </a:r>
             <a:endParaRPr lang="en-US" dirty="0"/>
@@ -795,7 +795,7 @@
           <a:p>
             <a:pPr lvl="0"/>
             <a:r>
-              <a:rPr lang="en-US" smtClean="0"/>
+              <a:rPr lang="en-US"/>
               <a:t>Click to edit Master text styles</a:t>
             </a:r>
           </a:p>
@@ -818,7 +818,7 @@
           <a:p>
             <a:fld id="{48A87A34-81AB-432B-8DAE-1953F412C126}" type="datetimeFigureOut">
               <a:rPr lang="en-US" dirty="0"/>
-              <a:t>11/9/18</a:t>
+              <a:t>2018-11-20</a:t>
             </a:fld>
             <a:endParaRPr lang="en-US" dirty="0"/>
           </a:p>
@@ -946,7 +946,7 @@
           </a:lstStyle>
           <a:p>
             <a:r>
-              <a:rPr lang="en-US" smtClean="0"/>
+              <a:rPr lang="en-US"/>
               <a:t>Click to edit Master title style</a:t>
             </a:r>
             <a:endParaRPr lang="en-US" dirty="0"/>
@@ -1014,7 +1014,7 @@
           <a:p>
             <a:pPr lvl="0"/>
             <a:r>
-              <a:rPr lang="en-US" smtClean="0"/>
+              <a:rPr lang="en-US"/>
               <a:t>Click to edit Master text styles</a:t>
             </a:r>
           </a:p>
@@ -1081,7 +1081,7 @@
           <a:p>
             <a:pPr lvl="0"/>
             <a:r>
-              <a:rPr lang="en-US" smtClean="0"/>
+              <a:rPr lang="en-US"/>
               <a:t>Click to edit Master text styles</a:t>
             </a:r>
           </a:p>
@@ -1104,7 +1104,7 @@
           <a:p>
             <a:fld id="{48A87A34-81AB-432B-8DAE-1953F412C126}" type="datetimeFigureOut">
               <a:rPr lang="en-US" dirty="0"/>
-              <a:t>11/9/18</a:t>
+              <a:t>2018-11-20</a:t>
             </a:fld>
             <a:endParaRPr lang="en-US" dirty="0"/>
           </a:p>
@@ -1464,7 +1464,7 @@
           </a:lstStyle>
           <a:p>
             <a:r>
-              <a:rPr lang="en-US" smtClean="0"/>
+              <a:rPr lang="en-US"/>
               <a:t>Click to edit Master title style</a:t>
             </a:r>
             <a:endParaRPr lang="en-US" dirty="0"/>
@@ -1530,7 +1530,7 @@
           <a:p>
             <a:pPr lvl="0"/>
             <a:r>
-              <a:rPr lang="en-US" smtClean="0"/>
+              <a:rPr lang="en-US"/>
               <a:t>Click to edit Master text styles</a:t>
             </a:r>
           </a:p>
@@ -1553,7 +1553,7 @@
           <a:p>
             <a:fld id="{48A87A34-81AB-432B-8DAE-1953F412C126}" type="datetimeFigureOut">
               <a:rPr lang="en-US" dirty="0"/>
-              <a:t>11/9/18</a:t>
+              <a:t>2018-11-20</a:t>
             </a:fld>
             <a:endParaRPr lang="en-US" dirty="0"/>
           </a:p>
@@ -1677,7 +1677,7 @@
           <a:lstStyle/>
           <a:p>
             <a:r>
-              <a:rPr lang="en-US" smtClean="0"/>
+              <a:rPr lang="en-US"/>
               <a:t>Click to edit Master title style</a:t>
             </a:r>
             <a:endParaRPr lang="en-US" dirty="0"/>
@@ -1752,7 +1752,7 @@
           <a:p>
             <a:pPr lvl="0"/>
             <a:r>
-              <a:rPr lang="en-US" smtClean="0"/>
+              <a:rPr lang="en-US"/>
               <a:t>Click to edit Master text styles</a:t>
             </a:r>
           </a:p>
@@ -1819,7 +1819,7 @@
           <a:p>
             <a:pPr lvl="0"/>
             <a:r>
-              <a:rPr lang="en-US" smtClean="0"/>
+              <a:rPr lang="en-US"/>
               <a:t>Click to edit Master text styles</a:t>
             </a:r>
           </a:p>
@@ -1893,7 +1893,7 @@
           <a:p>
             <a:pPr lvl="0"/>
             <a:r>
-              <a:rPr lang="en-US" smtClean="0"/>
+              <a:rPr lang="en-US"/>
               <a:t>Click to edit Master text styles</a:t>
             </a:r>
           </a:p>
@@ -1960,7 +1960,7 @@
           <a:p>
             <a:pPr lvl="0"/>
             <a:r>
-              <a:rPr lang="en-US" smtClean="0"/>
+              <a:rPr lang="en-US"/>
               <a:t>Click to edit Master text styles</a:t>
             </a:r>
           </a:p>
@@ -2034,7 +2034,7 @@
           <a:p>
             <a:pPr lvl="0"/>
             <a:r>
-              <a:rPr lang="en-US" smtClean="0"/>
+              <a:rPr lang="en-US"/>
               <a:t>Click to edit Master text styles</a:t>
             </a:r>
           </a:p>
@@ -2101,7 +2101,7 @@
           <a:p>
             <a:pPr lvl="0"/>
             <a:r>
-              <a:rPr lang="en-US" smtClean="0"/>
+              <a:rPr lang="en-US"/>
               <a:t>Click to edit Master text styles</a:t>
             </a:r>
           </a:p>
@@ -2124,7 +2124,7 @@
           <a:p>
             <a:fld id="{48A87A34-81AB-432B-8DAE-1953F412C126}" type="datetimeFigureOut">
               <a:rPr lang="en-US" dirty="0"/>
-              <a:t>11/9/18</a:t>
+              <a:t>2018-11-20</a:t>
             </a:fld>
             <a:endParaRPr lang="en-US" dirty="0"/>
           </a:p>
@@ -2248,7 +2248,7 @@
           <a:lstStyle/>
           <a:p>
             <a:r>
-              <a:rPr lang="en-US" smtClean="0"/>
+              <a:rPr lang="en-US"/>
               <a:t>Click to edit Master title style</a:t>
             </a:r>
             <a:endParaRPr lang="en-US" dirty="0"/>
@@ -2323,7 +2323,7 @@
           <a:p>
             <a:pPr lvl="0"/>
             <a:r>
-              <a:rPr lang="en-US" smtClean="0"/>
+              <a:rPr lang="en-US"/>
               <a:t>Click to edit Master text styles</a:t>
             </a:r>
           </a:p>
@@ -2414,7 +2414,7 @@
           </a:lstStyle>
           <a:p>
             <a:r>
-              <a:rPr lang="en-US" smtClean="0"/>
+              <a:rPr lang="en-US"/>
               <a:t>Drag picture to placeholder or click icon to add</a:t>
             </a:r>
             <a:endParaRPr lang="en-US" dirty="0"/>
@@ -2482,7 +2482,7 @@
           <a:p>
             <a:pPr lvl="0"/>
             <a:r>
-              <a:rPr lang="en-US" smtClean="0"/>
+              <a:rPr lang="en-US"/>
               <a:t>Click to edit Master text styles</a:t>
             </a:r>
           </a:p>
@@ -2556,7 +2556,7 @@
           <a:p>
             <a:pPr lvl="0"/>
             <a:r>
-              <a:rPr lang="en-US" smtClean="0"/>
+              <a:rPr lang="en-US"/>
               <a:t>Click to edit Master text styles</a:t>
             </a:r>
           </a:p>
@@ -2647,7 +2647,7 @@
           </a:lstStyle>
           <a:p>
             <a:r>
-              <a:rPr lang="en-US" smtClean="0"/>
+              <a:rPr lang="en-US"/>
               <a:t>Drag picture to placeholder or click icon to add</a:t>
             </a:r>
             <a:endParaRPr lang="en-US" dirty="0"/>
@@ -2715,7 +2715,7 @@
           <a:p>
             <a:pPr lvl="0"/>
             <a:r>
-              <a:rPr lang="en-US" smtClean="0"/>
+              <a:rPr lang="en-US"/>
               <a:t>Click to edit Master text styles</a:t>
             </a:r>
           </a:p>
@@ -2789,7 +2789,7 @@
           <a:p>
             <a:pPr lvl="0"/>
             <a:r>
-              <a:rPr lang="en-US" smtClean="0"/>
+              <a:rPr lang="en-US"/>
               <a:t>Click to edit Master text styles</a:t>
             </a:r>
           </a:p>
@@ -2880,7 +2880,7 @@
           </a:lstStyle>
           <a:p>
             <a:r>
-              <a:rPr lang="en-US" smtClean="0"/>
+              <a:rPr lang="en-US"/>
               <a:t>Drag picture to placeholder or click icon to add</a:t>
             </a:r>
             <a:endParaRPr lang="en-US" dirty="0"/>
@@ -2948,7 +2948,7 @@
           <a:p>
             <a:pPr lvl="0"/>
             <a:r>
-              <a:rPr lang="en-US" smtClean="0"/>
+              <a:rPr lang="en-US"/>
               <a:t>Click to edit Master text styles</a:t>
             </a:r>
           </a:p>
@@ -2971,7 +2971,7 @@
           <a:p>
             <a:fld id="{48A87A34-81AB-432B-8DAE-1953F412C126}" type="datetimeFigureOut">
               <a:rPr lang="en-US" dirty="0"/>
-              <a:t>11/9/18</a:t>
+              <a:t>2018-11-20</a:t>
             </a:fld>
             <a:endParaRPr lang="en-US" dirty="0"/>
           </a:p>
@@ -3090,7 +3090,7 @@
           <a:lstStyle/>
           <a:p>
             <a:r>
-              <a:rPr lang="en-US" smtClean="0"/>
+              <a:rPr lang="en-US"/>
               <a:t>Click to edit Master title style</a:t>
             </a:r>
             <a:endParaRPr lang="en-US" dirty="0"/>
@@ -3119,35 +3119,35 @@
           <a:p>
             <a:pPr lvl="0"/>
             <a:r>
-              <a:rPr lang="en-US" smtClean="0"/>
+              <a:rPr lang="en-US"/>
               <a:t>Click to edit Master text styles</a:t>
             </a:r>
           </a:p>
           <a:p>
             <a:pPr lvl="1"/>
             <a:r>
-              <a:rPr lang="en-US" smtClean="0"/>
+              <a:rPr lang="en-US"/>
               <a:t>Second level</a:t>
             </a:r>
           </a:p>
           <a:p>
             <a:pPr lvl="2"/>
             <a:r>
-              <a:rPr lang="en-US" smtClean="0"/>
+              <a:rPr lang="en-US"/>
               <a:t>Third level</a:t>
             </a:r>
           </a:p>
           <a:p>
             <a:pPr lvl="3"/>
             <a:r>
-              <a:rPr lang="en-US" smtClean="0"/>
+              <a:rPr lang="en-US"/>
               <a:t>Fourth level</a:t>
             </a:r>
           </a:p>
           <a:p>
             <a:pPr lvl="4"/>
             <a:r>
-              <a:rPr lang="en-US" smtClean="0"/>
+              <a:rPr lang="en-US"/>
               <a:t>Fifth level</a:t>
             </a:r>
             <a:endParaRPr lang="en-US" dirty="0"/>
@@ -3171,7 +3171,7 @@
           <a:p>
             <a:fld id="{48A87A34-81AB-432B-8DAE-1953F412C126}" type="datetimeFigureOut">
               <a:rPr lang="en-US" dirty="0"/>
-              <a:t>11/9/18</a:t>
+              <a:t>2018-11-20</a:t>
             </a:fld>
             <a:endParaRPr lang="en-US" dirty="0"/>
           </a:p>
@@ -3299,7 +3299,7 @@
           </a:lstStyle>
           <a:p>
             <a:r>
-              <a:rPr lang="en-US" smtClean="0"/>
+              <a:rPr lang="en-US"/>
               <a:t>Click to edit Master title style</a:t>
             </a:r>
             <a:endParaRPr lang="en-US" dirty="0"/>
@@ -3328,35 +3328,35 @@
           <a:p>
             <a:pPr lvl="0"/>
             <a:r>
-              <a:rPr lang="en-US" smtClean="0"/>
+              <a:rPr lang="en-US"/>
               <a:t>Click to edit Master text styles</a:t>
             </a:r>
           </a:p>
           <a:p>
             <a:pPr lvl="1"/>
             <a:r>
-              <a:rPr lang="en-US" smtClean="0"/>
+              <a:rPr lang="en-US"/>
               <a:t>Second level</a:t>
             </a:r>
           </a:p>
           <a:p>
             <a:pPr lvl="2"/>
             <a:r>
-              <a:rPr lang="en-US" smtClean="0"/>
+              <a:rPr lang="en-US"/>
               <a:t>Third level</a:t>
             </a:r>
           </a:p>
           <a:p>
             <a:pPr lvl="3"/>
             <a:r>
-              <a:rPr lang="en-US" smtClean="0"/>
+              <a:rPr lang="en-US"/>
               <a:t>Fourth level</a:t>
             </a:r>
           </a:p>
           <a:p>
             <a:pPr lvl="4"/>
             <a:r>
-              <a:rPr lang="en-US" smtClean="0"/>
+              <a:rPr lang="en-US"/>
               <a:t>Fifth level</a:t>
             </a:r>
             <a:endParaRPr lang="en-US" dirty="0"/>
@@ -3380,7 +3380,7 @@
           <a:p>
             <a:fld id="{48A87A34-81AB-432B-8DAE-1953F412C126}" type="datetimeFigureOut">
               <a:rPr lang="en-US" dirty="0"/>
-              <a:t>11/9/18</a:t>
+              <a:t>2018-11-20</a:t>
             </a:fld>
             <a:endParaRPr lang="en-US" dirty="0"/>
           </a:p>
@@ -3499,7 +3499,7 @@
           <a:lstStyle/>
           <a:p>
             <a:r>
-              <a:rPr lang="en-US" smtClean="0"/>
+              <a:rPr lang="en-US"/>
               <a:t>Click to edit Master title style</a:t>
             </a:r>
             <a:endParaRPr lang="en-US" dirty="0"/>
@@ -3528,35 +3528,35 @@
           <a:p>
             <a:pPr lvl="0"/>
             <a:r>
-              <a:rPr lang="en-US" smtClean="0"/>
+              <a:rPr lang="en-US"/>
               <a:t>Click to edit Master text styles</a:t>
             </a:r>
           </a:p>
           <a:p>
             <a:pPr lvl="1"/>
             <a:r>
-              <a:rPr lang="en-US" smtClean="0"/>
+              <a:rPr lang="en-US"/>
               <a:t>Second level</a:t>
             </a:r>
           </a:p>
           <a:p>
             <a:pPr lvl="2"/>
             <a:r>
-              <a:rPr lang="en-US" smtClean="0"/>
+              <a:rPr lang="en-US"/>
               <a:t>Third level</a:t>
             </a:r>
           </a:p>
           <a:p>
             <a:pPr lvl="3"/>
             <a:r>
-              <a:rPr lang="en-US" smtClean="0"/>
+              <a:rPr lang="en-US"/>
               <a:t>Fourth level</a:t>
             </a:r>
           </a:p>
           <a:p>
             <a:pPr lvl="4"/>
             <a:r>
-              <a:rPr lang="en-US" smtClean="0"/>
+              <a:rPr lang="en-US"/>
               <a:t>Fifth level</a:t>
             </a:r>
             <a:endParaRPr lang="en-US" dirty="0"/>
@@ -3580,7 +3580,7 @@
           <a:p>
             <a:fld id="{48A87A34-81AB-432B-8DAE-1953F412C126}" type="datetimeFigureOut">
               <a:rPr lang="en-US" dirty="0"/>
-              <a:t>11/9/18</a:t>
+              <a:t>2018-11-20</a:t>
             </a:fld>
             <a:endParaRPr lang="en-US" dirty="0"/>
           </a:p>
@@ -3710,7 +3710,7 @@
           </a:lstStyle>
           <a:p>
             <a:r>
-              <a:rPr lang="en-US" smtClean="0"/>
+              <a:rPr lang="en-US"/>
               <a:t>Click to edit Master title style</a:t>
             </a:r>
             <a:endParaRPr lang="en-US" dirty="0"/>
@@ -3832,7 +3832,7 @@
           <a:p>
             <a:pPr lvl="0"/>
             <a:r>
-              <a:rPr lang="en-US" smtClean="0"/>
+              <a:rPr lang="en-US"/>
               <a:t>Click to edit Master text styles</a:t>
             </a:r>
           </a:p>
@@ -3855,7 +3855,7 @@
           <a:p>
             <a:fld id="{48A87A34-81AB-432B-8DAE-1953F412C126}" type="datetimeFigureOut">
               <a:rPr lang="en-US" dirty="0"/>
-              <a:t>11/9/18</a:t>
+              <a:t>2018-11-20</a:t>
             </a:fld>
             <a:endParaRPr lang="en-US" dirty="0"/>
           </a:p>
@@ -3979,7 +3979,7 @@
           <a:lstStyle/>
           <a:p>
             <a:r>
-              <a:rPr lang="en-US" smtClean="0"/>
+              <a:rPr lang="en-US"/>
               <a:t>Click to edit Master title style</a:t>
             </a:r>
             <a:endParaRPr lang="en-US" dirty="0"/>
@@ -4008,35 +4008,35 @@
           <a:p>
             <a:pPr lvl="0"/>
             <a:r>
-              <a:rPr lang="en-US" smtClean="0"/>
+              <a:rPr lang="en-US"/>
               <a:t>Click to edit Master text styles</a:t>
             </a:r>
           </a:p>
           <a:p>
             <a:pPr lvl="1"/>
             <a:r>
-              <a:rPr lang="en-US" smtClean="0"/>
+              <a:rPr lang="en-US"/>
               <a:t>Second level</a:t>
             </a:r>
           </a:p>
           <a:p>
             <a:pPr lvl="2"/>
             <a:r>
-              <a:rPr lang="en-US" smtClean="0"/>
+              <a:rPr lang="en-US"/>
               <a:t>Third level</a:t>
             </a:r>
           </a:p>
           <a:p>
             <a:pPr lvl="3"/>
             <a:r>
-              <a:rPr lang="en-US" smtClean="0"/>
+              <a:rPr lang="en-US"/>
               <a:t>Fourth level</a:t>
             </a:r>
           </a:p>
           <a:p>
             <a:pPr lvl="4"/>
             <a:r>
-              <a:rPr lang="en-US" smtClean="0"/>
+              <a:rPr lang="en-US"/>
               <a:t>Fifth level</a:t>
             </a:r>
             <a:endParaRPr lang="en-US" dirty="0"/>
@@ -4065,35 +4065,35 @@
           <a:p>
             <a:pPr lvl="0"/>
             <a:r>
-              <a:rPr lang="en-US" smtClean="0"/>
+              <a:rPr lang="en-US"/>
               <a:t>Click to edit Master text styles</a:t>
             </a:r>
           </a:p>
           <a:p>
             <a:pPr lvl="1"/>
             <a:r>
-              <a:rPr lang="en-US" smtClean="0"/>
+              <a:rPr lang="en-US"/>
               <a:t>Second level</a:t>
             </a:r>
           </a:p>
           <a:p>
             <a:pPr lvl="2"/>
             <a:r>
-              <a:rPr lang="en-US" smtClean="0"/>
+              <a:rPr lang="en-US"/>
               <a:t>Third level</a:t>
             </a:r>
           </a:p>
           <a:p>
             <a:pPr lvl="3"/>
             <a:r>
-              <a:rPr lang="en-US" smtClean="0"/>
+              <a:rPr lang="en-US"/>
               <a:t>Fourth level</a:t>
             </a:r>
           </a:p>
           <a:p>
             <a:pPr lvl="4"/>
             <a:r>
-              <a:rPr lang="en-US" smtClean="0"/>
+              <a:rPr lang="en-US"/>
               <a:t>Fifth level</a:t>
             </a:r>
             <a:endParaRPr lang="en-US" dirty="0"/>
@@ -4117,7 +4117,7 @@
           <a:p>
             <a:fld id="{48A87A34-81AB-432B-8DAE-1953F412C126}" type="datetimeFigureOut">
               <a:rPr lang="en-US" dirty="0"/>
-              <a:t>11/9/18</a:t>
+              <a:t>2018-11-20</a:t>
             </a:fld>
             <a:endParaRPr lang="en-US" dirty="0"/>
           </a:p>
@@ -4241,7 +4241,7 @@
           <a:lstStyle/>
           <a:p>
             <a:r>
-              <a:rPr lang="en-US" smtClean="0"/>
+              <a:rPr lang="en-US"/>
               <a:t>Click to edit Master title style</a:t>
             </a:r>
             <a:endParaRPr lang="en-US" dirty="0"/>
@@ -4316,7 +4316,7 @@
           <a:p>
             <a:pPr lvl="0"/>
             <a:r>
-              <a:rPr lang="en-US" smtClean="0"/>
+              <a:rPr lang="en-US"/>
               <a:t>Click to edit Master text styles</a:t>
             </a:r>
           </a:p>
@@ -4344,35 +4344,35 @@
           <a:p>
             <a:pPr lvl="0"/>
             <a:r>
-              <a:rPr lang="en-US" smtClean="0"/>
+              <a:rPr lang="en-US"/>
               <a:t>Click to edit Master text styles</a:t>
             </a:r>
           </a:p>
           <a:p>
             <a:pPr lvl="1"/>
             <a:r>
-              <a:rPr lang="en-US" smtClean="0"/>
+              <a:rPr lang="en-US"/>
               <a:t>Second level</a:t>
             </a:r>
           </a:p>
           <a:p>
             <a:pPr lvl="2"/>
             <a:r>
-              <a:rPr lang="en-US" smtClean="0"/>
+              <a:rPr lang="en-US"/>
               <a:t>Third level</a:t>
             </a:r>
           </a:p>
           <a:p>
             <a:pPr lvl="3"/>
             <a:r>
-              <a:rPr lang="en-US" smtClean="0"/>
+              <a:rPr lang="en-US"/>
               <a:t>Fourth level</a:t>
             </a:r>
           </a:p>
           <a:p>
             <a:pPr lvl="4"/>
             <a:r>
-              <a:rPr lang="en-US" smtClean="0"/>
+              <a:rPr lang="en-US"/>
               <a:t>Fifth level</a:t>
             </a:r>
             <a:endParaRPr lang="en-US" dirty="0"/>
@@ -4447,7 +4447,7 @@
           <a:p>
             <a:pPr lvl="0"/>
             <a:r>
-              <a:rPr lang="en-US" smtClean="0"/>
+              <a:rPr lang="en-US"/>
               <a:t>Click to edit Master text styles</a:t>
             </a:r>
           </a:p>
@@ -4475,35 +4475,35 @@
           <a:p>
             <a:pPr lvl="0"/>
             <a:r>
-              <a:rPr lang="en-US" smtClean="0"/>
+              <a:rPr lang="en-US"/>
               <a:t>Click to edit Master text styles</a:t>
             </a:r>
           </a:p>
           <a:p>
             <a:pPr lvl="1"/>
             <a:r>
-              <a:rPr lang="en-US" smtClean="0"/>
+              <a:rPr lang="en-US"/>
               <a:t>Second level</a:t>
             </a:r>
           </a:p>
           <a:p>
             <a:pPr lvl="2"/>
             <a:r>
-              <a:rPr lang="en-US" smtClean="0"/>
+              <a:rPr lang="en-US"/>
               <a:t>Third level</a:t>
             </a:r>
           </a:p>
           <a:p>
             <a:pPr lvl="3"/>
             <a:r>
-              <a:rPr lang="en-US" smtClean="0"/>
+              <a:rPr lang="en-US"/>
               <a:t>Fourth level</a:t>
             </a:r>
           </a:p>
           <a:p>
             <a:pPr lvl="4"/>
             <a:r>
-              <a:rPr lang="en-US" smtClean="0"/>
+              <a:rPr lang="en-US"/>
               <a:t>Fifth level</a:t>
             </a:r>
             <a:endParaRPr lang="en-US" dirty="0"/>
@@ -4527,7 +4527,7 @@
           <a:p>
             <a:fld id="{48A87A34-81AB-432B-8DAE-1953F412C126}" type="datetimeFigureOut">
               <a:rPr lang="en-US" dirty="0"/>
-              <a:t>11/9/18</a:t>
+              <a:t>2018-11-20</a:t>
             </a:fld>
             <a:endParaRPr lang="en-US" dirty="0"/>
           </a:p>
@@ -4646,7 +4646,7 @@
           <a:lstStyle/>
           <a:p>
             <a:r>
-              <a:rPr lang="en-US" smtClean="0"/>
+              <a:rPr lang="en-US"/>
               <a:t>Click to edit Master title style</a:t>
             </a:r>
             <a:endParaRPr lang="en-US" dirty="0"/>
@@ -4670,7 +4670,7 @@
           <a:p>
             <a:fld id="{48A87A34-81AB-432B-8DAE-1953F412C126}" type="datetimeFigureOut">
               <a:rPr lang="en-US" dirty="0"/>
-              <a:t>11/9/18</a:t>
+              <a:t>2018-11-20</a:t>
             </a:fld>
             <a:endParaRPr lang="en-US" dirty="0"/>
           </a:p>
@@ -4790,7 +4790,7 @@
           <a:p>
             <a:fld id="{48A87A34-81AB-432B-8DAE-1953F412C126}" type="datetimeFigureOut">
               <a:rPr lang="en-US" dirty="0"/>
-              <a:t>11/9/18</a:t>
+              <a:t>2018-11-20</a:t>
             </a:fld>
             <a:endParaRPr lang="en-US" dirty="0"/>
           </a:p>
@@ -4918,7 +4918,7 @@
           </a:lstStyle>
           <a:p>
             <a:r>
-              <a:rPr lang="en-US" smtClean="0"/>
+              <a:rPr lang="en-US"/>
               <a:t>Click to edit Master title style</a:t>
             </a:r>
             <a:endParaRPr lang="en-US" dirty="0"/>
@@ -4947,35 +4947,35 @@
           <a:p>
             <a:pPr lvl="0"/>
             <a:r>
-              <a:rPr lang="en-US" smtClean="0"/>
+              <a:rPr lang="en-US"/>
               <a:t>Click to edit Master text styles</a:t>
             </a:r>
           </a:p>
           <a:p>
             <a:pPr lvl="1"/>
             <a:r>
-              <a:rPr lang="en-US" smtClean="0"/>
+              <a:rPr lang="en-US"/>
               <a:t>Second level</a:t>
             </a:r>
           </a:p>
           <a:p>
             <a:pPr lvl="2"/>
             <a:r>
-              <a:rPr lang="en-US" smtClean="0"/>
+              <a:rPr lang="en-US"/>
               <a:t>Third level</a:t>
             </a:r>
           </a:p>
           <a:p>
             <a:pPr lvl="3"/>
             <a:r>
-              <a:rPr lang="en-US" smtClean="0"/>
+              <a:rPr lang="en-US"/>
               <a:t>Fourth level</a:t>
             </a:r>
           </a:p>
           <a:p>
             <a:pPr lvl="4"/>
             <a:r>
-              <a:rPr lang="en-US" smtClean="0"/>
+              <a:rPr lang="en-US"/>
               <a:t>Fifth level</a:t>
             </a:r>
             <a:endParaRPr lang="en-US" dirty="0"/>
@@ -5041,7 +5041,7 @@
           <a:p>
             <a:pPr lvl="0"/>
             <a:r>
-              <a:rPr lang="en-US" smtClean="0"/>
+              <a:rPr lang="en-US"/>
               <a:t>Click to edit Master text styles</a:t>
             </a:r>
           </a:p>
@@ -5064,7 +5064,7 @@
           <a:p>
             <a:fld id="{48A87A34-81AB-432B-8DAE-1953F412C126}" type="datetimeFigureOut">
               <a:rPr lang="en-US" dirty="0"/>
-              <a:t>11/9/18</a:t>
+              <a:t>2018-11-20</a:t>
             </a:fld>
             <a:endParaRPr lang="en-US" dirty="0"/>
           </a:p>
@@ -5192,7 +5192,7 @@
           </a:lstStyle>
           <a:p>
             <a:r>
-              <a:rPr lang="en-US" smtClean="0"/>
+              <a:rPr lang="en-US"/>
               <a:t>Click to edit Master title style</a:t>
             </a:r>
             <a:endParaRPr lang="en-US" dirty="0"/>
@@ -5282,7 +5282,7 @@
           </a:lstStyle>
           <a:p>
             <a:r>
-              <a:rPr lang="en-US" smtClean="0"/>
+              <a:rPr lang="en-US"/>
               <a:t>Drag picture to placeholder or click icon to add</a:t>
             </a:r>
             <a:endParaRPr lang="en-US" dirty="0"/>
@@ -5348,7 +5348,7 @@
           <a:p>
             <a:pPr lvl="0"/>
             <a:r>
-              <a:rPr lang="en-US" smtClean="0"/>
+              <a:rPr lang="en-US"/>
               <a:t>Click to edit Master text styles</a:t>
             </a:r>
           </a:p>
@@ -5371,7 +5371,7 @@
           <a:p>
             <a:fld id="{48A87A34-81AB-432B-8DAE-1953F412C126}" type="datetimeFigureOut">
               <a:rPr lang="en-US" dirty="0"/>
-              <a:t>11/9/18</a:t>
+              <a:t>2018-11-20</a:t>
             </a:fld>
             <a:endParaRPr lang="en-US" dirty="0"/>
           </a:p>
@@ -5517,7 +5517,7 @@
           <a:lstStyle/>
           <a:p>
             <a:r>
-              <a:rPr lang="en-US" smtClean="0"/>
+              <a:rPr lang="en-US"/>
               <a:t>Click to edit Master title style</a:t>
             </a:r>
             <a:endParaRPr lang="en-US" dirty="0"/>
@@ -5551,35 +5551,35 @@
           <a:p>
             <a:pPr lvl="0"/>
             <a:r>
-              <a:rPr lang="en-US" smtClean="0"/>
+              <a:rPr lang="en-US"/>
               <a:t>Click to edit Master text styles</a:t>
             </a:r>
           </a:p>
           <a:p>
             <a:pPr lvl="1"/>
             <a:r>
-              <a:rPr lang="en-US" smtClean="0"/>
+              <a:rPr lang="en-US"/>
               <a:t>Second level</a:t>
             </a:r>
           </a:p>
           <a:p>
             <a:pPr lvl="2"/>
             <a:r>
-              <a:rPr lang="en-US" smtClean="0"/>
+              <a:rPr lang="en-US"/>
               <a:t>Third level</a:t>
             </a:r>
           </a:p>
           <a:p>
             <a:pPr lvl="3"/>
             <a:r>
-              <a:rPr lang="en-US" smtClean="0"/>
+              <a:rPr lang="en-US"/>
               <a:t>Fourth level</a:t>
             </a:r>
           </a:p>
           <a:p>
             <a:pPr lvl="4"/>
             <a:r>
-              <a:rPr lang="en-US" smtClean="0"/>
+              <a:rPr lang="en-US"/>
               <a:t>Fifth level</a:t>
             </a:r>
             <a:endParaRPr lang="en-US" dirty="0"/>
@@ -5620,7 +5620,7 @@
             <a:fld id="{48A87A34-81AB-432B-8DAE-1953F412C126}" type="datetimeFigureOut">
               <a:rPr lang="en-US" dirty="0"/>
               <a:pPr/>
-              <a:t>11/9/18</a:t>
+              <a:t>2018-11-20</a:t>
             </a:fld>
             <a:endParaRPr lang="en-US" dirty="0"/>
           </a:p>
@@ -6116,14 +6116,14 @@
                 <a:gridCol w="4064000">
                   <a:extLst>
                     <a:ext uri="{9D8B030D-6E8A-4147-A177-3AD203B41FA5}">
-                      <a16:colId xmlns:a16="http://schemas.microsoft.com/office/drawing/2014/main" xmlns="" val="2419921925"/>
+                      <a16:colId xmlns:a16="http://schemas.microsoft.com/office/drawing/2014/main" val="2419921925"/>
                     </a:ext>
                   </a:extLst>
                 </a:gridCol>
                 <a:gridCol w="4064000">
                   <a:extLst>
                     <a:ext uri="{9D8B030D-6E8A-4147-A177-3AD203B41FA5}">
-                      <a16:colId xmlns:a16="http://schemas.microsoft.com/office/drawing/2014/main" xmlns="" val="2243509427"/>
+                      <a16:colId xmlns:a16="http://schemas.microsoft.com/office/drawing/2014/main" val="2243509427"/>
                     </a:ext>
                   </a:extLst>
                 </a:gridCol>
@@ -6136,7 +6136,7 @@
                     <a:p>
                       <a:pPr marL="0" algn="ctr" defTabSz="914400" rtl="0" eaLnBrk="1" latinLnBrk="0" hangingPunct="1"/>
                       <a:r>
-                        <a:rPr lang="zh-CN" altLang="en-US" sz="1800" b="0" kern="1200" dirty="0" smtClean="0"/>
+                        <a:rPr lang="zh-CN" altLang="en-US" sz="1800" b="0" kern="1200" dirty="0"/>
                         <a:t>类别</a:t>
                       </a:r>
                       <a:endParaRPr lang="en-US" sz="1800" b="0" kern="1200" dirty="0">
@@ -6158,7 +6158,7 @@
                     <a:p>
                       <a:pPr algn="ctr"/>
                       <a:r>
-                        <a:rPr lang="zh-CN" altLang="en-US" b="0" dirty="0" smtClean="0"/>
+                        <a:rPr lang="zh-CN" altLang="en-US" b="0" dirty="0"/>
                         <a:t>专升本</a:t>
                       </a:r>
                       <a:endParaRPr lang="en-US" b="0" dirty="0"/>
@@ -6168,7 +6168,7 @@
                 </a:tc>
                 <a:extLst>
                   <a:ext uri="{0D108BD9-81ED-4DB2-BD59-A6C34878D82A}">
-                    <a16:rowId xmlns:a16="http://schemas.microsoft.com/office/drawing/2014/main" xmlns="" val="4147310124"/>
+                    <a16:rowId xmlns:a16="http://schemas.microsoft.com/office/drawing/2014/main" val="4147310124"/>
                   </a:ext>
                 </a:extLst>
               </a:tr>
@@ -6180,7 +6180,7 @@
                     <a:p>
                       <a:pPr algn="ctr"/>
                       <a:r>
-                        <a:rPr lang="zh-CN" altLang="en-US" dirty="0" smtClean="0"/>
+                        <a:rPr lang="zh-CN" altLang="en-US" dirty="0"/>
                         <a:t>专业</a:t>
                       </a:r>
                       <a:endParaRPr lang="en-US" dirty="0"/>
@@ -6195,7 +6195,7 @@
                     <a:p>
                       <a:pPr algn="ctr"/>
                       <a:r>
-                        <a:rPr lang="zh-CN" altLang="en-US" dirty="0" smtClean="0"/>
+                        <a:rPr lang="zh-CN" altLang="en-US" dirty="0"/>
                         <a:t>计算机科学与技术</a:t>
                       </a:r>
                       <a:endParaRPr lang="en-US" dirty="0"/>
@@ -6205,7 +6205,7 @@
                 </a:tc>
                 <a:extLst>
                   <a:ext uri="{0D108BD9-81ED-4DB2-BD59-A6C34878D82A}">
-                    <a16:rowId xmlns:a16="http://schemas.microsoft.com/office/drawing/2014/main" xmlns="" val="1090463524"/>
+                    <a16:rowId xmlns:a16="http://schemas.microsoft.com/office/drawing/2014/main" val="1090463524"/>
                   </a:ext>
                 </a:extLst>
               </a:tr>
@@ -6217,7 +6217,7 @@
                     <a:p>
                       <a:pPr algn="ctr"/>
                       <a:r>
-                        <a:rPr lang="zh-CN" altLang="en-US" dirty="0" smtClean="0"/>
+                        <a:rPr lang="zh-CN" altLang="en-US" dirty="0"/>
                         <a:t>班级</a:t>
                       </a:r>
                       <a:endParaRPr lang="en-US" dirty="0"/>
@@ -6232,7 +6232,7 @@
                     <a:p>
                       <a:pPr algn="ctr"/>
                       <a:r>
-                        <a:rPr lang="zh-CN" altLang="en-US" dirty="0" smtClean="0"/>
+                        <a:rPr lang="zh-CN" altLang="en-US" dirty="0"/>
                         <a:t>北京理工大学校本部</a:t>
                       </a:r>
                       <a:endParaRPr lang="en-US" dirty="0"/>
@@ -6242,7 +6242,7 @@
                 </a:tc>
                 <a:extLst>
                   <a:ext uri="{0D108BD9-81ED-4DB2-BD59-A6C34878D82A}">
-                    <a16:rowId xmlns:a16="http://schemas.microsoft.com/office/drawing/2014/main" xmlns="" val="363472524"/>
+                    <a16:rowId xmlns:a16="http://schemas.microsoft.com/office/drawing/2014/main" val="363472524"/>
                   </a:ext>
                 </a:extLst>
               </a:tr>
@@ -6254,7 +6254,7 @@
                     <a:p>
                       <a:pPr algn="ctr"/>
                       <a:r>
-                        <a:rPr lang="zh-CN" altLang="en-US" dirty="0" smtClean="0"/>
+                        <a:rPr lang="zh-CN" altLang="en-US" dirty="0"/>
                         <a:t>姓名</a:t>
                       </a:r>
                       <a:endParaRPr lang="en-US" dirty="0"/>
@@ -6269,7 +6269,7 @@
                     <a:p>
                       <a:pPr algn="ctr"/>
                       <a:r>
-                        <a:rPr lang="zh-CN" altLang="en-US" dirty="0" smtClean="0"/>
+                        <a:rPr lang="zh-CN" altLang="en-US" dirty="0"/>
                         <a:t>雷明</a:t>
                       </a:r>
                       <a:endParaRPr lang="en-US" dirty="0"/>
@@ -6279,7 +6279,7 @@
                 </a:tc>
                 <a:extLst>
                   <a:ext uri="{0D108BD9-81ED-4DB2-BD59-A6C34878D82A}">
-                    <a16:rowId xmlns:a16="http://schemas.microsoft.com/office/drawing/2014/main" xmlns="" val="232697873"/>
+                    <a16:rowId xmlns:a16="http://schemas.microsoft.com/office/drawing/2014/main" val="232697873"/>
                   </a:ext>
                 </a:extLst>
               </a:tr>
@@ -6291,7 +6291,7 @@
                     <a:p>
                       <a:pPr algn="ctr"/>
                       <a:r>
-                        <a:rPr lang="zh-CN" altLang="en-US" dirty="0" smtClean="0"/>
+                        <a:rPr lang="zh-CN" altLang="en-US" dirty="0"/>
                         <a:t>学号</a:t>
                       </a:r>
                       <a:endParaRPr lang="en-US" dirty="0"/>
@@ -6306,7 +6306,7 @@
                     <a:p>
                       <a:pPr algn="ctr"/>
                       <a:r>
-                        <a:rPr lang="en-US" altLang="zh-CN" dirty="0" smtClean="0"/>
+                        <a:rPr lang="en-US" altLang="zh-CN" dirty="0"/>
                         <a:t>201600030110090</a:t>
                       </a:r>
                       <a:endParaRPr lang="en-US" dirty="0"/>
@@ -6314,6 +6314,11 @@
                   </a:txBody>
                   <a:tcPr/>
                 </a:tc>
+                <a:extLst>
+                  <a:ext uri="{0D108BD9-81ED-4DB2-BD59-A6C34878D82A}">
+                    <a16:rowId xmlns:a16="http://schemas.microsoft.com/office/drawing/2014/main" val="10004"/>
+                  </a:ext>
+                </a:extLst>
               </a:tr>
             </a:tbl>
           </a:graphicData>
@@ -6329,13 +6334,6 @@
   <p:clrMapOvr>
     <a:masterClrMapping/>
   </p:clrMapOvr>
-  <p:timing>
-    <p:tnLst>
-      <p:par>
-        <p:cTn id="1" dur="indefinite" restart="never" nodeType="tmRoot"/>
-      </p:par>
-    </p:tnLst>
-  </p:timing>
 </p:sld>
 </file>
 
@@ -6379,7 +6377,7 @@
           <a:lstStyle/>
           <a:p>
             <a:r>
-              <a:rPr lang="zh-CN" altLang="en-US" dirty="0" smtClean="0"/>
+              <a:rPr lang="zh-CN" altLang="en-US" dirty="0"/>
               <a:t>发展前景</a:t>
             </a:r>
             <a:endParaRPr lang="en-US" dirty="0"/>
@@ -6409,50 +6407,30 @@
           <a:lstStyle/>
           <a:p>
             <a:r>
-              <a:rPr lang="zh-CN" altLang="en-US" dirty="0" smtClean="0"/>
-              <a:t>一、</a:t>
-            </a:r>
-            <a:r>
               <a:rPr lang="zh-CN" altLang="en-US" dirty="0"/>
-              <a:t>建立以医疗大数据应用技术为基础的准妈妈孕检创新研发</a:t>
-            </a:r>
-            <a:r>
-              <a:rPr lang="zh-CN" altLang="en-US" dirty="0" smtClean="0"/>
-              <a:t>平台</a:t>
-            </a:r>
-            <a:endParaRPr lang="en-US" altLang="zh-CN" dirty="0" smtClean="0"/>
-          </a:p>
-          <a:p>
-            <a:endParaRPr lang="en-US" altLang="zh-CN" dirty="0" smtClean="0"/>
-          </a:p>
-          <a:p>
-            <a:r>
-              <a:rPr lang="zh-CN" altLang="en-US" dirty="0" smtClean="0"/>
-              <a:t>二、</a:t>
-            </a:r>
+              <a:t>一、建立以医疗大数据应用技术为基础的准妈妈孕检创新研发平台</a:t>
+            </a:r>
+            <a:endParaRPr lang="en-US" altLang="zh-CN" dirty="0"/>
+          </a:p>
+          <a:p>
+            <a:endParaRPr lang="en-US" altLang="zh-CN" dirty="0"/>
+          </a:p>
+          <a:p>
             <a:r>
               <a:rPr lang="zh-CN" altLang="en-US" dirty="0"/>
-              <a:t>建立微服务、大数据和机器学习应用技术的人才培养</a:t>
-            </a:r>
-            <a:r>
-              <a:rPr lang="zh-CN" altLang="en-US" dirty="0" smtClean="0"/>
-              <a:t>平台</a:t>
-            </a:r>
-            <a:endParaRPr lang="en-US" altLang="zh-CN" dirty="0" smtClean="0"/>
-          </a:p>
-          <a:p>
-            <a:endParaRPr lang="en-US" altLang="zh-CN" dirty="0" smtClean="0"/>
-          </a:p>
-          <a:p>
-            <a:r>
-              <a:rPr lang="zh-CN" altLang="en-US" dirty="0" smtClean="0"/>
-              <a:t>三、</a:t>
-            </a:r>
+              <a:t>二、建立微服务、大数据和机器学习应用技术的人才培养平台</a:t>
+            </a:r>
+            <a:endParaRPr lang="en-US" altLang="zh-CN" dirty="0"/>
+          </a:p>
+          <a:p>
+            <a:endParaRPr lang="en-US" altLang="zh-CN" dirty="0"/>
+          </a:p>
+          <a:p>
             <a:r>
               <a:rPr lang="zh-CN" altLang="en-US" dirty="0"/>
-              <a:t>利用微服务、大数据和机器学习技术，面向行业共性问题和需求，研发一系列医疗服务产品</a:t>
-            </a:r>
-            <a:endParaRPr lang="en-US" altLang="zh-CN" dirty="0" smtClean="0"/>
+              <a:t>三、利用微服务、大数据和机器学习技术，面向行业共性问题和需求，研发一系列医疗服务产品</a:t>
+            </a:r>
+            <a:endParaRPr lang="en-US" altLang="zh-CN" dirty="0"/>
           </a:p>
         </p:txBody>
       </p:sp>
@@ -6466,13 +6444,6 @@
   <p:clrMapOvr>
     <a:masterClrMapping/>
   </p:clrMapOvr>
-  <p:timing>
-    <p:tnLst>
-      <p:par>
-        <p:cTn id="1" dur="indefinite" restart="never" nodeType="tmRoot"/>
-      </p:par>
-    </p:tnLst>
-  </p:timing>
 </p:sld>
 </file>
 
@@ -6546,108 +6517,52 @@
           <a:lstStyle/>
           <a:p>
             <a:r>
-              <a:rPr lang="zh-CN" altLang="en-US" dirty="0" smtClean="0"/>
-              <a:t>一、</a:t>
-            </a:r>
-            <a:r>
               <a:rPr lang="zh-CN" altLang="en-US" dirty="0"/>
-              <a:t>深入地接触微服务架构的搭建、大数据平台环境的搭建和机器学习的深入学习。最终，设计并制件出本服务系统，体验到移动互联网技术应用于医疗行业所带给我们的便利</a:t>
-            </a:r>
-            <a:r>
-              <a:rPr lang="zh-CN" altLang="en-US" dirty="0" smtClean="0"/>
-              <a:t>。</a:t>
-            </a:r>
-            <a:endParaRPr lang="en-US" altLang="zh-CN" dirty="0" smtClean="0"/>
-          </a:p>
-          <a:p>
-            <a:endParaRPr lang="en-US" altLang="zh-CN" dirty="0" smtClean="0"/>
-          </a:p>
-          <a:p>
-            <a:r>
-              <a:rPr lang="zh-CN" altLang="en-US" dirty="0" smtClean="0"/>
-              <a:t>二、孕</a:t>
-            </a:r>
+              <a:t>一、深入地接触微服务架构的搭建、大数据平台环境的搭建和机器学习的深入学习。最终，设计并制件出本服务系统，体验到移动互联网技术应用于医疗行业所带给我们的便利。</a:t>
+            </a:r>
+            <a:endParaRPr lang="en-US" altLang="zh-CN" dirty="0"/>
+          </a:p>
+          <a:p>
+            <a:endParaRPr lang="en-US" altLang="zh-CN" dirty="0"/>
+          </a:p>
+          <a:p>
             <a:r>
               <a:rPr lang="zh-CN" altLang="en-US" dirty="0"/>
-              <a:t>期检查是国内各大妇产医院面临的最大问题，而以互联网化为手段，优化就诊流程，提升患者的就医体验，将会成为</a:t>
-            </a:r>
-            <a:r>
-              <a:rPr lang="zh-CN" altLang="en-US" dirty="0" smtClean="0"/>
-              <a:t>未来“互联网</a:t>
+              <a:t>二、孕期检查是国内各大妇产医院面临的最大问题，而以互联网化为手段，优化就诊流程，提升患者的就医体验，将会成为未来“互联网</a:t>
             </a:r>
             <a:r>
               <a:rPr lang="en-US" dirty="0"/>
               <a:t>+</a:t>
             </a:r>
             <a:r>
-              <a:rPr lang="zh-CN" altLang="en-US" dirty="0" smtClean="0"/>
-              <a:t>医疗</a:t>
-            </a:r>
-            <a:r>
               <a:rPr lang="zh-CN" altLang="en-US" dirty="0"/>
-              <a:t>”</a:t>
-            </a:r>
-            <a:r>
-              <a:rPr lang="zh-CN" altLang="en-US" dirty="0" smtClean="0"/>
-              <a:t>一直</a:t>
-            </a:r>
+              <a:t>医疗”一直关注的问题。</a:t>
+            </a:r>
+            <a:endParaRPr lang="en-US" altLang="zh-CN" dirty="0"/>
+          </a:p>
+          <a:p>
+            <a:endParaRPr lang="en-US" altLang="zh-CN" dirty="0"/>
+          </a:p>
+          <a:p>
             <a:r>
               <a:rPr lang="zh-CN" altLang="en-US" dirty="0"/>
-              <a:t>关注的问题</a:t>
-            </a:r>
-            <a:r>
-              <a:rPr lang="zh-CN" altLang="en-US" dirty="0" smtClean="0"/>
-              <a:t>。</a:t>
-            </a:r>
-            <a:endParaRPr lang="en-US" altLang="zh-CN" dirty="0" smtClean="0"/>
-          </a:p>
-          <a:p>
-            <a:endParaRPr lang="en-US" altLang="zh-CN" dirty="0" smtClean="0"/>
-          </a:p>
-          <a:p>
-            <a:r>
-              <a:rPr lang="zh-CN" altLang="en-US" dirty="0" smtClean="0"/>
-              <a:t>三、在</a:t>
-            </a:r>
-            <a:r>
-              <a:rPr lang="zh-CN" altLang="en-US" dirty="0"/>
-              <a:t>“</a:t>
-            </a:r>
-            <a:r>
-              <a:rPr lang="zh-CN" altLang="en-US" dirty="0" smtClean="0"/>
-              <a:t>互联网</a:t>
+              <a:t>三、在“互联网</a:t>
             </a:r>
             <a:r>
               <a:rPr lang="en-US" dirty="0"/>
               <a:t>+</a:t>
             </a:r>
             <a:r>
-              <a:rPr lang="zh-CN" altLang="en-US" dirty="0" smtClean="0"/>
-              <a:t>医疗</a:t>
-            </a:r>
-            <a:r>
               <a:rPr lang="zh-CN" altLang="en-US" dirty="0"/>
-              <a:t>”</a:t>
-            </a:r>
-            <a:r>
-              <a:rPr lang="zh-CN" altLang="en-US" dirty="0" smtClean="0"/>
-              <a:t>的</a:t>
-            </a:r>
-            <a:r>
-              <a:rPr lang="zh-CN" altLang="en-US" dirty="0"/>
-              <a:t>驱动下，医疗机构将建立起以患者为中心的全新医疗服务模式，以改善就医体验为目的，逐步实现医疗诊治精准化、医疗组织协同化、医疗服务个性化，将医疗服务扩展到更大范围</a:t>
-            </a:r>
-            <a:r>
-              <a:rPr lang="zh-CN" altLang="en-US" dirty="0" smtClean="0"/>
-              <a:t>。</a:t>
-            </a:r>
-            <a:endParaRPr lang="en-US" altLang="zh-CN" dirty="0" smtClean="0"/>
+              <a:t>医疗”的驱动下，医疗机构将建立起以患者为中心的全新医疗服务模式，以改善就医体验为目的，逐步实现医疗诊治精准化、医疗组织协同化、医疗服务个性化，将医疗服务扩展到更大范围。</a:t>
+            </a:r>
+            <a:endParaRPr lang="en-US" altLang="zh-CN" dirty="0"/>
           </a:p>
           <a:p>
             <a:pPr marL="0" indent="0">
               <a:buNone/>
             </a:pPr>
-            <a:endParaRPr lang="en-US" altLang="zh-CN" dirty="0" smtClean="0"/>
+            <a:endParaRPr lang="en-US" altLang="zh-CN" dirty="0"/>
           </a:p>
         </p:txBody>
       </p:sp>
@@ -6661,13 +6576,6 @@
   <p:clrMapOvr>
     <a:masterClrMapping/>
   </p:clrMapOvr>
-  <p:timing>
-    <p:tnLst>
-      <p:par>
-        <p:cTn id="1" dur="indefinite" restart="never" nodeType="tmRoot"/>
-      </p:par>
-    </p:tnLst>
-  </p:timing>
 </p:sld>
 </file>
 
@@ -6711,7 +6619,7 @@
           <a:lstStyle/>
           <a:p>
             <a:r>
-              <a:rPr lang="zh-CN" altLang="en-US" dirty="0" smtClean="0"/>
+              <a:rPr lang="zh-CN" altLang="en-US" dirty="0"/>
               <a:t>致谢</a:t>
             </a:r>
             <a:endParaRPr lang="en-US" dirty="0"/>
@@ -6741,70 +6649,18 @@
           <a:lstStyle/>
           <a:p>
             <a:r>
-              <a:rPr lang="zh-CN" altLang="en-US" dirty="0" smtClean="0"/>
-              <a:t>一、</a:t>
-            </a:r>
-            <a:r>
               <a:rPr lang="zh-CN" altLang="en-US" dirty="0"/>
-              <a:t>衷</a:t>
-            </a:r>
-            <a:r>
-              <a:rPr lang="zh-CN" altLang="en-US" dirty="0" smtClean="0"/>
-              <a:t>心感谢我</a:t>
-            </a:r>
+              <a:t>一、衷心感谢我的指导老师张丽娜，课题的设计以及论文的撰写自始至终都是在张丽娜老师的悉心指导下进行。张丽娜老师在学习和科研过程中给予我无微不至的关怀和指导，使我能够迅速地掌握本专业知识，并解决一个个实际的工程问题，能够迅速地给出合理地分析思路，指出处理流程中的问题，并指导我对各方向知识的涉猎。</a:t>
+            </a:r>
+            <a:endParaRPr lang="en-US" altLang="zh-CN" dirty="0"/>
+          </a:p>
+          <a:p>
+            <a:endParaRPr lang="en-US" dirty="0"/>
+          </a:p>
+          <a:p>
             <a:r>
               <a:rPr lang="zh-CN" altLang="en-US" dirty="0"/>
-              <a:t>的指导老师张丽</a:t>
-            </a:r>
-            <a:r>
-              <a:rPr lang="zh-CN" altLang="en-US" dirty="0" smtClean="0"/>
-              <a:t>娜，</a:t>
-            </a:r>
-            <a:r>
-              <a:rPr lang="zh-CN" altLang="en-US" dirty="0"/>
-              <a:t>课题的设计以及论文的撰写自始至终都是在张丽娜老师的悉心指导下进行。张丽娜老师在学习和科研过程中给予我无微不至的关怀和指导，使我能够迅速地掌握本专业知识，并解决一个个实际的工程问题，能够迅速地给</a:t>
-            </a:r>
-            <a:r>
-              <a:rPr lang="zh-CN" altLang="en-US" dirty="0" smtClean="0"/>
-              <a:t>出合理地分</a:t>
-            </a:r>
-            <a:r>
-              <a:rPr lang="zh-CN" altLang="en-US" dirty="0"/>
-              <a:t>析思</a:t>
-            </a:r>
-            <a:r>
-              <a:rPr lang="zh-CN" altLang="en-US" dirty="0" smtClean="0"/>
-              <a:t>路，指出处理流程中的问题，并指导我对</a:t>
-            </a:r>
-            <a:r>
-              <a:rPr lang="zh-CN" altLang="en-US" dirty="0"/>
-              <a:t>各方向知识</a:t>
-            </a:r>
-            <a:r>
-              <a:rPr lang="zh-CN" altLang="en-US" dirty="0" smtClean="0"/>
-              <a:t>的涉</a:t>
-            </a:r>
-            <a:r>
-              <a:rPr lang="zh-CN" altLang="en-US" dirty="0"/>
-              <a:t>猎</a:t>
-            </a:r>
-            <a:r>
-              <a:rPr lang="zh-CN" altLang="en-US" dirty="0" smtClean="0"/>
-              <a:t>。</a:t>
-            </a:r>
-            <a:endParaRPr lang="en-US" altLang="zh-CN" dirty="0" smtClean="0"/>
-          </a:p>
-          <a:p>
-            <a:endParaRPr lang="en-US" dirty="0"/>
-          </a:p>
-          <a:p>
-            <a:r>
-              <a:rPr lang="zh-CN" altLang="en-US" dirty="0" smtClean="0"/>
-              <a:t>二、特别感</a:t>
-            </a:r>
-            <a:r>
-              <a:rPr lang="zh-CN" altLang="en-US" dirty="0"/>
-              <a:t>谢我的家人，尤其是我的爱人宋晓鹏能够提供孕期数据，并抽出时间给予我在论文上的帮助。</a:t>
+              <a:t>二、特别感谢我的家人，尤其是我的爱人宋晓鹏能够提供孕期数据，并抽出时间给予我在论文上的帮助。</a:t>
             </a:r>
             <a:endParaRPr lang="en-US" dirty="0"/>
           </a:p>
@@ -6820,13 +6676,6 @@
   <p:clrMapOvr>
     <a:masterClrMapping/>
   </p:clrMapOvr>
-  <p:timing>
-    <p:tnLst>
-      <p:par>
-        <p:cTn id="1" dur="indefinite" restart="never" nodeType="tmRoot"/>
-      </p:par>
-    </p:tnLst>
-  </p:timing>
 </p:sld>
 </file>
 
@@ -6900,18 +6749,10 @@
           <a:p>
             <a:pPr lvl="0"/>
             <a:r>
-              <a:rPr lang="zh-CN" altLang="en-US" sz="2400" dirty="0" smtClean="0"/>
-              <a:t>一、</a:t>
-            </a:r>
-            <a:r>
               <a:rPr lang="zh-CN" altLang="en-US" sz="2400" dirty="0"/>
-              <a:t>系统技术架构</a:t>
-            </a:r>
-            <a:r>
-              <a:rPr lang="zh-CN" altLang="en-US" sz="2400" dirty="0" smtClean="0"/>
-              <a:t>设计与分析</a:t>
-            </a:r>
-            <a:endParaRPr lang="en-US" altLang="zh-CN" sz="2400" dirty="0" smtClean="0"/>
+              <a:t>一、系统技术架构设计与分析</a:t>
+            </a:r>
+            <a:endParaRPr lang="en-US" altLang="zh-CN" sz="2400" dirty="0"/>
           </a:p>
           <a:p>
             <a:pPr lvl="0"/>
@@ -6919,16 +6760,8 @@
           </a:p>
           <a:p>
             <a:r>
-              <a:rPr lang="zh-CN" altLang="en-US" sz="2400" dirty="0" smtClean="0"/>
-              <a:t>二、</a:t>
-            </a:r>
-            <a:r>
               <a:rPr lang="zh-CN" altLang="en-US" sz="2400" dirty="0"/>
-              <a:t>核心技术在系统中应</a:t>
-            </a:r>
-            <a:r>
-              <a:rPr lang="zh-CN" altLang="en-US" sz="2400" dirty="0" smtClean="0"/>
-              <a:t>用</a:t>
+              <a:t>二、核心技术在系统中应用</a:t>
             </a:r>
             <a:endParaRPr lang="en-US" sz="2400" dirty="0"/>
           </a:p>
@@ -6944,13 +6777,6 @@
   <p:clrMapOvr>
     <a:masterClrMapping/>
   </p:clrMapOvr>
-  <p:timing>
-    <p:tnLst>
-      <p:par>
-        <p:cTn id="1" dur="indefinite" restart="never" nodeType="tmRoot"/>
-      </p:par>
-    </p:tnLst>
-  </p:timing>
 </p:sld>
 </file>
 
@@ -6995,11 +6821,7 @@
           <a:p>
             <a:r>
               <a:rPr lang="zh-CN" altLang="en-US" b="1" dirty="0"/>
-              <a:t>系统技术架构</a:t>
-            </a:r>
-            <a:r>
-              <a:rPr lang="zh-CN" altLang="en-US" b="1" dirty="0" smtClean="0"/>
-              <a:t>设计与分析</a:t>
+              <a:t>系统技术架构设计与分析</a:t>
             </a:r>
             <a:endParaRPr lang="en-US" dirty="0"/>
           </a:p>
@@ -7041,13 +6863,6 @@
   <p:clrMapOvr>
     <a:masterClrMapping/>
   </p:clrMapOvr>
-  <p:timing>
-    <p:tnLst>
-      <p:par>
-        <p:cTn id="1" dur="indefinite" restart="never" nodeType="tmRoot"/>
-      </p:par>
-    </p:tnLst>
-  </p:timing>
 </p:sld>
 </file>
 
@@ -7092,11 +6907,7 @@
           <a:p>
             <a:r>
               <a:rPr lang="zh-CN" altLang="en-US" b="1" dirty="0"/>
-              <a:t>系统技术架构</a:t>
-            </a:r>
-            <a:r>
-              <a:rPr lang="zh-CN" altLang="en-US" b="1" dirty="0" smtClean="0"/>
-              <a:t>设计与分析</a:t>
+              <a:t>系统技术架构设计与分析</a:t>
             </a:r>
             <a:endParaRPr lang="en-US" dirty="0"/>
           </a:p>
@@ -7130,17 +6941,9 @@
                 <a:ea typeface="SimSun" charset="-122"/>
                 <a:cs typeface="SimSun" charset="-122"/>
               </a:rPr>
-              <a:t>网络</a:t>
-            </a:r>
-            <a:r>
-              <a:rPr lang="zh-CN" altLang="en-US" sz="2400" dirty="0" smtClean="0">
-                <a:latin typeface="SimSun" charset="-122"/>
-                <a:ea typeface="SimSun" charset="-122"/>
-                <a:cs typeface="SimSun" charset="-122"/>
-              </a:rPr>
-              <a:t>层</a:t>
-            </a:r>
-            <a:endParaRPr lang="en-US" altLang="zh-CN" sz="2400" dirty="0" smtClean="0">
+              <a:t>网络层</a:t>
+            </a:r>
+            <a:endParaRPr lang="en-US" altLang="zh-CN" sz="2400" dirty="0">
               <a:latin typeface="SimSun" charset="-122"/>
               <a:ea typeface="SimSun" charset="-122"/>
               <a:cs typeface="SimSun" charset="-122"/>
@@ -7149,7 +6952,7 @@
           <a:p>
             <a:pPr lvl="1"/>
             <a:r>
-              <a:rPr lang="en-US" altLang="zh-CN" sz="2000" dirty="0" err="1" smtClean="0">
+              <a:rPr lang="en-US" altLang="zh-CN" sz="2000" dirty="0" err="1">
                 <a:latin typeface="SimSun" charset="-122"/>
                 <a:ea typeface="SimSun" charset="-122"/>
                 <a:cs typeface="SimSun" charset="-122"/>
@@ -7157,36 +6960,12 @@
               <a:t>Nginx</a:t>
             </a:r>
             <a:r>
-              <a:rPr lang="zh-CN" altLang="en-US" sz="2000" dirty="0" smtClean="0">
-                <a:latin typeface="SimSun" charset="-122"/>
-                <a:ea typeface="SimSun" charset="-122"/>
-                <a:cs typeface="SimSun" charset="-122"/>
-              </a:rPr>
-              <a:t>：实现</a:t>
-            </a:r>
-            <a:r>
               <a:rPr lang="zh-CN" altLang="en-US" sz="2000" dirty="0">
                 <a:latin typeface="SimSun" charset="-122"/>
                 <a:ea typeface="SimSun" charset="-122"/>
                 <a:cs typeface="SimSun" charset="-122"/>
               </a:rPr>
-              <a:t>负载均衡</a:t>
-            </a:r>
-            <a:r>
-              <a:rPr lang="zh-CN" altLang="en-US" sz="2000" dirty="0" smtClean="0">
-                <a:latin typeface="SimSun" charset="-122"/>
-                <a:ea typeface="SimSun" charset="-122"/>
-                <a:cs typeface="SimSun" charset="-122"/>
-              </a:rPr>
-              <a:t>，实现</a:t>
-            </a:r>
-            <a:r>
-              <a:rPr lang="zh-CN" altLang="en-US" sz="2000" dirty="0">
-                <a:latin typeface="SimSun" charset="-122"/>
-                <a:ea typeface="SimSun" charset="-122"/>
-                <a:cs typeface="SimSun" charset="-122"/>
-              </a:rPr>
-              <a:t>反向代理，平均分担负载</a:t>
+              <a:t>：实现负载均衡，实现反向代理，平均分担负载</a:t>
             </a:r>
             <a:r>
               <a:rPr lang="en-US" sz="2000" dirty="0">
@@ -7196,7 +6975,7 @@
               </a:rPr>
               <a:t> </a:t>
             </a:r>
-            <a:endParaRPr lang="en-US" sz="2400" dirty="0" smtClean="0">
+            <a:endParaRPr lang="en-US" sz="2400" dirty="0">
               <a:latin typeface="SimSun" charset="-122"/>
               <a:ea typeface="SimSun" charset="-122"/>
               <a:cs typeface="SimSun" charset="-122"/>
@@ -7219,17 +6998,9 @@
                 <a:ea typeface="SimSun" charset="-122"/>
                 <a:cs typeface="SimSun" charset="-122"/>
               </a:rPr>
-              <a:t>缓存</a:t>
-            </a:r>
-            <a:r>
-              <a:rPr lang="zh-CN" altLang="en-US" sz="2400" dirty="0" smtClean="0">
-                <a:latin typeface="SimSun" charset="-122"/>
-                <a:ea typeface="SimSun" charset="-122"/>
-                <a:cs typeface="SimSun" charset="-122"/>
-              </a:rPr>
-              <a:t>层</a:t>
-            </a:r>
-            <a:endParaRPr lang="en-US" altLang="zh-CN" sz="2400" dirty="0" smtClean="0">
+              <a:t>缓存层</a:t>
+            </a:r>
+            <a:endParaRPr lang="en-US" altLang="zh-CN" sz="2400" dirty="0">
               <a:latin typeface="SimSun" charset="-122"/>
               <a:ea typeface="SimSun" charset="-122"/>
               <a:cs typeface="SimSun" charset="-122"/>
@@ -7238,7 +7009,7 @@
           <a:p>
             <a:pPr lvl="1"/>
             <a:r>
-              <a:rPr lang="en-US" altLang="zh-CN" sz="2000" dirty="0" err="1" smtClean="0">
+              <a:rPr lang="en-US" altLang="zh-CN" sz="2000" dirty="0" err="1">
                 <a:latin typeface="SimSun" charset="-122"/>
                 <a:ea typeface="SimSun" charset="-122"/>
                 <a:cs typeface="SimSun" charset="-122"/>
@@ -7246,38 +7017,22 @@
               <a:t>Redis</a:t>
             </a:r>
             <a:r>
-              <a:rPr lang="zh-CN" altLang="en-US" sz="2000" dirty="0" smtClean="0">
-                <a:latin typeface="SimSun" charset="-122"/>
-                <a:ea typeface="SimSun" charset="-122"/>
-                <a:cs typeface="SimSun" charset="-122"/>
-              </a:rPr>
-              <a:t>：存储</a:t>
-            </a:r>
-            <a:r>
               <a:rPr lang="zh-CN" altLang="en-US" sz="2000" dirty="0">
                 <a:latin typeface="SimSun" charset="-122"/>
                 <a:ea typeface="SimSun" charset="-122"/>
                 <a:cs typeface="SimSun" charset="-122"/>
               </a:rPr>
-              <a:t>热</a:t>
-            </a:r>
-            <a:r>
-              <a:rPr lang="zh-CN" altLang="en-US" sz="2000" dirty="0" smtClean="0">
-                <a:latin typeface="SimSun" charset="-122"/>
-                <a:ea typeface="SimSun" charset="-122"/>
-                <a:cs typeface="SimSun" charset="-122"/>
-              </a:rPr>
-              <a:t>点数据，防数据穿透，对缓存查询加锁</a:t>
-            </a:r>
-            <a:r>
-              <a:rPr lang="en-US" sz="2000" dirty="0" smtClean="0">
+              <a:t>：存储热点数据，防数据穿透，对缓存查询加锁</a:t>
+            </a:r>
+            <a:r>
+              <a:rPr lang="en-US" sz="2000" dirty="0">
                 <a:latin typeface="SimSun" charset="-122"/>
                 <a:ea typeface="SimSun" charset="-122"/>
                 <a:cs typeface="SimSun" charset="-122"/>
               </a:rPr>
               <a:t> </a:t>
             </a:r>
-            <a:endParaRPr lang="en-US" sz="2400" dirty="0" smtClean="0">
+            <a:endParaRPr lang="en-US" sz="2400" dirty="0">
               <a:latin typeface="SimSun" charset="-122"/>
               <a:ea typeface="SimSun" charset="-122"/>
               <a:cs typeface="SimSun" charset="-122"/>
@@ -7300,15 +7055,7 @@
                 <a:ea typeface="SimSun" charset="-122"/>
                 <a:cs typeface="SimSun" charset="-122"/>
               </a:rPr>
-              <a:t>应用</a:t>
-            </a:r>
-            <a:r>
-              <a:rPr lang="zh-CN" altLang="en-US" sz="2400" dirty="0" smtClean="0">
-                <a:latin typeface="SimSun" charset="-122"/>
-                <a:ea typeface="SimSun" charset="-122"/>
-                <a:cs typeface="SimSun" charset="-122"/>
-              </a:rPr>
-              <a:t>层</a:t>
+              <a:t>应用层</a:t>
             </a:r>
             <a:endParaRPr lang="en-US" altLang="zh-CN" sz="2400" dirty="0">
               <a:latin typeface="SimSun" charset="-122"/>
@@ -7319,7 +7066,7 @@
           <a:p>
             <a:pPr lvl="1"/>
             <a:r>
-              <a:rPr lang="en-US" altLang="zh-CN" sz="2000" dirty="0" smtClean="0">
+              <a:rPr lang="en-US" altLang="zh-CN" sz="2000" dirty="0">
                 <a:latin typeface="SimSun" charset="-122"/>
                 <a:ea typeface="SimSun" charset="-122"/>
                 <a:cs typeface="SimSun" charset="-122"/>
@@ -7327,20 +7074,12 @@
               <a:t>Spring BOOT / CLOUD</a:t>
             </a:r>
             <a:r>
-              <a:rPr lang="zh-CN" altLang="en-US" sz="2000" dirty="0" smtClean="0">
-                <a:latin typeface="SimSun" charset="-122"/>
-                <a:ea typeface="SimSun" charset="-122"/>
-                <a:cs typeface="SimSun" charset="-122"/>
-              </a:rPr>
-              <a:t>：独立</a:t>
-            </a:r>
-            <a:r>
               <a:rPr lang="zh-CN" altLang="en-US" sz="2000" dirty="0">
                 <a:latin typeface="SimSun" charset="-122"/>
                 <a:ea typeface="SimSun" charset="-122"/>
                 <a:cs typeface="SimSun" charset="-122"/>
               </a:rPr>
-              <a:t>部署、独立维护、独立扩展</a:t>
+              <a:t>：独立部署、独立维护、独立扩展</a:t>
             </a:r>
             <a:r>
               <a:rPr lang="en-US" sz="2000" dirty="0">
@@ -7368,13 +7107,6 @@
   <p:clrMapOvr>
     <a:masterClrMapping/>
   </p:clrMapOvr>
-  <p:timing>
-    <p:tnLst>
-      <p:par>
-        <p:cTn id="1" dur="indefinite" restart="never" nodeType="tmRoot"/>
-      </p:par>
-    </p:tnLst>
-  </p:timing>
 </p:sld>
 </file>
 
@@ -7419,11 +7151,7 @@
           <a:p>
             <a:r>
               <a:rPr lang="zh-CN" altLang="en-US" b="1" dirty="0"/>
-              <a:t>系统技术架构</a:t>
-            </a:r>
-            <a:r>
-              <a:rPr lang="zh-CN" altLang="en-US" b="1" dirty="0" smtClean="0"/>
-              <a:t>设计与分析</a:t>
+              <a:t>系统技术架构设计与分析</a:t>
             </a:r>
             <a:endParaRPr lang="en-US" dirty="0"/>
           </a:p>
@@ -7452,14 +7180,14 @@
           <a:lstStyle/>
           <a:p>
             <a:r>
-              <a:rPr lang="zh-CN" altLang="en-US" sz="2400" dirty="0" smtClean="0">
+              <a:rPr lang="zh-CN" altLang="en-US" sz="2400" dirty="0">
                 <a:latin typeface="SimSun" charset="-122"/>
                 <a:ea typeface="SimSun" charset="-122"/>
                 <a:cs typeface="SimSun" charset="-122"/>
               </a:rPr>
               <a:t>数据计算层</a:t>
             </a:r>
-            <a:endParaRPr lang="en-US" altLang="zh-CN" sz="2400" dirty="0" smtClean="0">
+            <a:endParaRPr lang="en-US" altLang="zh-CN" sz="2400" dirty="0">
               <a:latin typeface="SimSun" charset="-122"/>
               <a:ea typeface="SimSun" charset="-122"/>
               <a:cs typeface="SimSun" charset="-122"/>
@@ -7468,7 +7196,7 @@
           <a:p>
             <a:pPr lvl="1"/>
             <a:r>
-              <a:rPr lang="en-US" altLang="zh-CN" sz="2000" dirty="0" smtClean="0">
+              <a:rPr lang="en-US" altLang="zh-CN" sz="2000" dirty="0">
                 <a:latin typeface="SimSun" charset="-122"/>
                 <a:ea typeface="SimSun" charset="-122"/>
                 <a:cs typeface="SimSun" charset="-122"/>
@@ -7476,7 +7204,7 @@
               <a:t>KAFKA</a:t>
             </a:r>
             <a:r>
-              <a:rPr lang="zh-CN" altLang="en-US" sz="2000" dirty="0" smtClean="0">
+              <a:rPr lang="zh-CN" altLang="en-US" sz="2000" dirty="0">
                 <a:latin typeface="SimSun" charset="-122"/>
                 <a:ea typeface="SimSun" charset="-122"/>
                 <a:cs typeface="SimSun" charset="-122"/>
@@ -7484,14 +7212,14 @@
               <a:t>：数据持久性、高扩展、高吞吐、高可用、低延迟</a:t>
             </a:r>
             <a:r>
-              <a:rPr lang="en-US" sz="2000" dirty="0" smtClean="0">
+              <a:rPr lang="en-US" sz="2000" dirty="0">
                 <a:latin typeface="SimSun" charset="-122"/>
                 <a:ea typeface="SimSun" charset="-122"/>
                 <a:cs typeface="SimSun" charset="-122"/>
               </a:rPr>
               <a:t> </a:t>
             </a:r>
-            <a:endParaRPr lang="en-US" altLang="zh-CN" sz="2000" dirty="0" smtClean="0">
+            <a:endParaRPr lang="en-US" altLang="zh-CN" sz="2000" dirty="0">
               <a:latin typeface="SimSun" charset="-122"/>
               <a:ea typeface="SimSun" charset="-122"/>
               <a:cs typeface="SimSun" charset="-122"/>
@@ -7500,7 +7228,7 @@
           <a:p>
             <a:pPr lvl="1"/>
             <a:r>
-              <a:rPr lang="en-US" altLang="zh-CN" sz="2000" dirty="0" smtClean="0">
+              <a:rPr lang="en-US" altLang="zh-CN" sz="2000" dirty="0">
                 <a:latin typeface="SimSun" charset="-122"/>
                 <a:ea typeface="SimSun" charset="-122"/>
                 <a:cs typeface="SimSun" charset="-122"/>
@@ -7508,7 +7236,7 @@
               <a:t>STORM</a:t>
             </a:r>
             <a:r>
-              <a:rPr lang="zh-CN" altLang="en-US" sz="2000" dirty="0" smtClean="0">
+              <a:rPr lang="zh-CN" altLang="en-US" sz="2000" dirty="0">
                 <a:latin typeface="SimSun" charset="-122"/>
                 <a:ea typeface="SimSun" charset="-122"/>
                 <a:cs typeface="SimSun" charset="-122"/>
@@ -7516,14 +7244,14 @@
               <a:t>：实时处理，实现低延迟的处理效果</a:t>
             </a:r>
             <a:r>
-              <a:rPr lang="en-US" sz="2000" dirty="0" smtClean="0">
+              <a:rPr lang="en-US" sz="2000" dirty="0">
                 <a:latin typeface="SimSun" charset="-122"/>
                 <a:ea typeface="SimSun" charset="-122"/>
                 <a:cs typeface="SimSun" charset="-122"/>
               </a:rPr>
               <a:t> </a:t>
             </a:r>
-            <a:endParaRPr lang="en-US" altLang="zh-CN" sz="2000" dirty="0" smtClean="0">
+            <a:endParaRPr lang="en-US" altLang="zh-CN" sz="2000" dirty="0">
               <a:latin typeface="SimSun" charset="-122"/>
               <a:ea typeface="SimSun" charset="-122"/>
               <a:cs typeface="SimSun" charset="-122"/>
@@ -7533,7 +7261,7 @@
             <a:pPr marL="457200" lvl="1" indent="0">
               <a:buNone/>
             </a:pPr>
-            <a:endParaRPr lang="en-US" altLang="zh-CN" sz="2000" dirty="0" smtClean="0">
+            <a:endParaRPr lang="en-US" altLang="zh-CN" sz="2000" dirty="0">
               <a:latin typeface="SimSun" charset="-122"/>
               <a:ea typeface="SimSun" charset="-122"/>
               <a:cs typeface="SimSun" charset="-122"/>
@@ -7541,14 +7269,14 @@
           </a:p>
           <a:p>
             <a:r>
-              <a:rPr lang="zh-CN" altLang="en-US" sz="2400" dirty="0" smtClean="0">
+              <a:rPr lang="zh-CN" altLang="en-US" sz="2400" dirty="0">
                 <a:latin typeface="SimSun" charset="-122"/>
                 <a:ea typeface="SimSun" charset="-122"/>
                 <a:cs typeface="SimSun" charset="-122"/>
               </a:rPr>
               <a:t>算法模型层</a:t>
             </a:r>
-            <a:endParaRPr lang="en-US" altLang="zh-CN" sz="2400" dirty="0" smtClean="0">
+            <a:endParaRPr lang="en-US" altLang="zh-CN" sz="2400" dirty="0">
               <a:latin typeface="SimSun" charset="-122"/>
               <a:ea typeface="SimSun" charset="-122"/>
               <a:cs typeface="SimSun" charset="-122"/>
@@ -7556,39 +7284,23 @@
           </a:p>
           <a:p>
             <a:pPr lvl="1"/>
-            <a:r>
-              <a:rPr lang="zh-CN" altLang="en-US" sz="2000" dirty="0" smtClean="0">
-                <a:latin typeface="SimSun" charset="-122"/>
-                <a:ea typeface="SimSun" charset="-122"/>
-                <a:cs typeface="SimSun" charset="-122"/>
-              </a:rPr>
-              <a:t>特点：</a:t>
-            </a:r>
             <a:r>
               <a:rPr lang="zh-CN" altLang="en-US" sz="2000" dirty="0">
                 <a:latin typeface="SimSun" charset="-122"/>
                 <a:ea typeface="SimSun" charset="-122"/>
                 <a:cs typeface="SimSun" charset="-122"/>
               </a:rPr>
-              <a:t>挖</a:t>
-            </a:r>
-            <a:r>
-              <a:rPr lang="zh-CN" altLang="en-US" sz="2000" dirty="0" smtClean="0">
-                <a:latin typeface="SimSun" charset="-122"/>
-                <a:ea typeface="SimSun" charset="-122"/>
-                <a:cs typeface="SimSun" charset="-122"/>
-              </a:rPr>
-              <a:t>掘数据中潜在价值，在数据挖掘中起着很大的作用，而且也是整个数据架构的关键点</a:t>
-            </a:r>
-            <a:r>
-              <a:rPr lang="en-US" sz="2000" dirty="0" smtClean="0">
+              <a:t>特点：挖掘数据中潜在价值，在数据挖掘中起着很大的作用，而且也是整个数据架构的关键点</a:t>
+            </a:r>
+            <a:r>
+              <a:rPr lang="en-US" sz="2000" dirty="0">
                 <a:latin typeface="SimSun" charset="-122"/>
                 <a:ea typeface="SimSun" charset="-122"/>
                 <a:cs typeface="SimSun" charset="-122"/>
               </a:rPr>
               <a:t> </a:t>
             </a:r>
-            <a:endParaRPr lang="en-US" altLang="zh-CN" sz="2000" dirty="0" smtClean="0">
+            <a:endParaRPr lang="en-US" altLang="zh-CN" sz="2000" dirty="0">
               <a:latin typeface="SimSun" charset="-122"/>
               <a:ea typeface="SimSun" charset="-122"/>
               <a:cs typeface="SimSun" charset="-122"/>
@@ -7598,7 +7310,7 @@
             <a:pPr marL="457200" lvl="1" indent="0">
               <a:buNone/>
             </a:pPr>
-            <a:endParaRPr lang="en-US" altLang="zh-CN" sz="2000" dirty="0" smtClean="0">
+            <a:endParaRPr lang="en-US" altLang="zh-CN" sz="2000" dirty="0">
               <a:latin typeface="SimSun" charset="-122"/>
               <a:ea typeface="SimSun" charset="-122"/>
               <a:cs typeface="SimSun" charset="-122"/>
@@ -7606,14 +7318,14 @@
           </a:p>
           <a:p>
             <a:r>
-              <a:rPr lang="zh-CN" altLang="en-US" sz="2400" dirty="0" smtClean="0">
+              <a:rPr lang="zh-CN" altLang="en-US" sz="2400" dirty="0">
                 <a:latin typeface="SimSun" charset="-122"/>
                 <a:ea typeface="SimSun" charset="-122"/>
                 <a:cs typeface="SimSun" charset="-122"/>
               </a:rPr>
               <a:t>数据存储层</a:t>
             </a:r>
-            <a:endParaRPr lang="en-US" altLang="zh-CN" sz="2400" dirty="0" smtClean="0">
+            <a:endParaRPr lang="en-US" altLang="zh-CN" sz="2400" dirty="0">
               <a:latin typeface="SimSun" charset="-122"/>
               <a:ea typeface="SimSun" charset="-122"/>
               <a:cs typeface="SimSun" charset="-122"/>
@@ -7622,7 +7334,7 @@
           <a:p>
             <a:pPr lvl="1"/>
             <a:r>
-              <a:rPr lang="en-US" sz="2000" dirty="0" smtClean="0">
+              <a:rPr lang="en-US" sz="2000" dirty="0">
                 <a:latin typeface="SimSun" charset="-122"/>
                 <a:ea typeface="SimSun" charset="-122"/>
                 <a:cs typeface="SimSun" charset="-122"/>
@@ -7630,14 +7342,14 @@
               <a:t>MySQL</a:t>
             </a:r>
             <a:r>
-              <a:rPr lang="zh-CN" altLang="en-US" sz="2000" dirty="0" smtClean="0">
+              <a:rPr lang="zh-CN" altLang="en-US" sz="2000" dirty="0">
                 <a:latin typeface="SimSun" charset="-122"/>
                 <a:ea typeface="SimSun" charset="-122"/>
                 <a:cs typeface="SimSun" charset="-122"/>
               </a:rPr>
               <a:t>：体积小 、使用成本低 、可移植性强 、适用用户范围广</a:t>
             </a:r>
-            <a:endParaRPr lang="en-US" sz="2000" dirty="0" smtClean="0">
+            <a:endParaRPr lang="en-US" sz="2000" dirty="0">
               <a:latin typeface="SimSun" charset="-122"/>
               <a:ea typeface="SimSun" charset="-122"/>
               <a:cs typeface="SimSun" charset="-122"/>
@@ -7646,7 +7358,7 @@
           <a:p>
             <a:pPr lvl="1"/>
             <a:r>
-              <a:rPr lang="en-US" sz="2000" dirty="0" smtClean="0">
+              <a:rPr lang="en-US" sz="2000" dirty="0">
                 <a:latin typeface="SimSun" charset="-122"/>
                 <a:ea typeface="SimSun" charset="-122"/>
                 <a:cs typeface="SimSun" charset="-122"/>
@@ -7654,7 +7366,7 @@
               <a:t>ELASTIC SEARCH</a:t>
             </a:r>
             <a:r>
-              <a:rPr lang="zh-CN" altLang="en-US" sz="2000" dirty="0" smtClean="0">
+              <a:rPr lang="zh-CN" altLang="en-US" sz="2000" dirty="0">
                 <a:latin typeface="SimSun" charset="-122"/>
                 <a:ea typeface="SimSun" charset="-122"/>
                 <a:cs typeface="SimSun" charset="-122"/>
@@ -7679,13 +7391,6 @@
   <p:clrMapOvr>
     <a:masterClrMapping/>
   </p:clrMapOvr>
-  <p:timing>
-    <p:tnLst>
-      <p:par>
-        <p:cTn id="1" dur="indefinite" restart="never" nodeType="tmRoot"/>
-      </p:par>
-    </p:tnLst>
-  </p:timing>
 </p:sld>
 </file>
 
@@ -7730,11 +7435,7 @@
           <a:p>
             <a:r>
               <a:rPr lang="zh-CN" altLang="en-US" b="1" dirty="0"/>
-              <a:t>核心技术在系统中应</a:t>
-            </a:r>
-            <a:r>
-              <a:rPr lang="zh-CN" altLang="en-US" b="1" dirty="0" smtClean="0"/>
-              <a:t>用</a:t>
+              <a:t>核心技术在系统中应用</a:t>
             </a:r>
             <a:endParaRPr lang="en-US" dirty="0"/>
           </a:p>
@@ -7763,22 +7464,18 @@
           <a:lstStyle/>
           <a:p>
             <a:r>
-              <a:rPr lang="zh-CN" altLang="en-US" sz="2400" dirty="0" smtClean="0"/>
+              <a:rPr lang="zh-CN" altLang="en-US" sz="2400" dirty="0"/>
               <a:t>微服务</a:t>
             </a:r>
-            <a:endParaRPr lang="en-US" altLang="zh-CN" sz="2400" dirty="0" smtClean="0"/>
+            <a:endParaRPr lang="en-US" altLang="zh-CN" sz="2400" dirty="0"/>
           </a:p>
           <a:p>
             <a:pPr lvl="1"/>
             <a:r>
               <a:rPr lang="zh-CN" altLang="en-US" sz="2000" dirty="0"/>
-              <a:t>技</a:t>
-            </a:r>
-            <a:r>
-              <a:rPr lang="zh-CN" altLang="en-US" sz="2000" dirty="0" smtClean="0"/>
-              <a:t>术特点</a:t>
-            </a:r>
-            <a:endParaRPr lang="en-US" altLang="zh-CN" sz="2000" dirty="0" smtClean="0"/>
+              <a:t>技术特点</a:t>
+            </a:r>
+            <a:endParaRPr lang="en-US" altLang="zh-CN" sz="2000" dirty="0"/>
           </a:p>
           <a:p>
             <a:pPr lvl="1"/>
@@ -7822,13 +7519,6 @@
   <p:clrMapOvr>
     <a:masterClrMapping/>
   </p:clrMapOvr>
-  <p:timing>
-    <p:tnLst>
-      <p:par>
-        <p:cTn id="1" dur="indefinite" restart="never" nodeType="tmRoot"/>
-      </p:par>
-    </p:tnLst>
-  </p:timing>
 </p:sld>
 </file>
 
@@ -7873,11 +7563,7 @@
           <a:p>
             <a:r>
               <a:rPr lang="zh-CN" altLang="en-US" b="1" dirty="0"/>
-              <a:t>核心技术在系统中应</a:t>
-            </a:r>
-            <a:r>
-              <a:rPr lang="zh-CN" altLang="en-US" b="1" dirty="0" smtClean="0"/>
-              <a:t>用</a:t>
+              <a:t>核心技术在系统中应用</a:t>
             </a:r>
             <a:endParaRPr lang="en-US" dirty="0"/>
           </a:p>
@@ -7906,15 +7592,15 @@
           <a:lstStyle/>
           <a:p>
             <a:r>
-              <a:rPr lang="zh-CN" altLang="en-US" sz="2400" dirty="0" smtClean="0"/>
+              <a:rPr lang="zh-CN" altLang="en-US" sz="2400" dirty="0"/>
               <a:t>大数据</a:t>
             </a:r>
-            <a:endParaRPr lang="en-US" altLang="zh-CN" sz="2400" dirty="0" smtClean="0"/>
+            <a:endParaRPr lang="en-US" altLang="zh-CN" sz="2400" dirty="0"/>
           </a:p>
           <a:p>
             <a:pPr lvl="1"/>
             <a:r>
-              <a:rPr lang="en-US" sz="2000" dirty="0" smtClean="0">
+              <a:rPr lang="en-US" sz="2000" dirty="0">
                 <a:latin typeface="SimSun" charset="-122"/>
                 <a:ea typeface="SimSun" charset="-122"/>
                 <a:cs typeface="SimSun" charset="-122"/>
@@ -7922,7 +7608,7 @@
               <a:t>Kafka</a:t>
             </a:r>
             <a:r>
-              <a:rPr lang="zh-CN" altLang="en-US" sz="2000" dirty="0" smtClean="0">
+              <a:rPr lang="zh-CN" altLang="en-US" sz="2000" dirty="0">
                 <a:latin typeface="SimSun" charset="-122"/>
                 <a:ea typeface="SimSun" charset="-122"/>
                 <a:cs typeface="SimSun" charset="-122"/>
@@ -7930,11 +7616,11 @@
               <a:t> </a:t>
             </a:r>
             <a:r>
-              <a:rPr lang="zh-CN" altLang="en-US" sz="2000" dirty="0" smtClean="0"/>
+              <a:rPr lang="zh-CN" altLang="en-US" sz="2000" dirty="0"/>
               <a:t>和 </a:t>
             </a:r>
             <a:r>
-              <a:rPr lang="en-US" sz="2000" dirty="0" smtClean="0">
+              <a:rPr lang="en-US" sz="2000" dirty="0">
                 <a:latin typeface="SimSun" charset="-122"/>
                 <a:ea typeface="SimSun" charset="-122"/>
                 <a:cs typeface="SimSun" charset="-122"/>
@@ -7943,23 +7629,15 @@
             </a:r>
             <a:r>
               <a:rPr lang="zh-CN" altLang="en-US" sz="2000" dirty="0"/>
-              <a:t>技术</a:t>
-            </a:r>
-            <a:r>
-              <a:rPr lang="zh-CN" altLang="en-US" sz="2000" dirty="0" smtClean="0"/>
-              <a:t>特点</a:t>
-            </a:r>
-            <a:endParaRPr lang="en-US" altLang="zh-CN" sz="2000" dirty="0" smtClean="0"/>
+              <a:t>技术特点</a:t>
+            </a:r>
+            <a:endParaRPr lang="en-US" altLang="zh-CN" sz="2000" dirty="0"/>
           </a:p>
           <a:p>
             <a:pPr lvl="1"/>
             <a:r>
               <a:rPr lang="zh-CN" altLang="en-US" sz="2000" dirty="0"/>
-              <a:t>实</a:t>
-            </a:r>
-            <a:r>
-              <a:rPr lang="zh-CN" altLang="en-US" sz="2000" dirty="0" smtClean="0"/>
-              <a:t>践应用</a:t>
+              <a:t>实践应用</a:t>
             </a:r>
             <a:endParaRPr lang="en-US" sz="2000" dirty="0"/>
           </a:p>
@@ -8019,13 +7697,6 @@
   <p:clrMapOvr>
     <a:masterClrMapping/>
   </p:clrMapOvr>
-  <p:timing>
-    <p:tnLst>
-      <p:par>
-        <p:cTn id="1" dur="indefinite" restart="never" nodeType="tmRoot"/>
-      </p:par>
-    </p:tnLst>
-  </p:timing>
 </p:sld>
 </file>
 
@@ -8070,11 +7741,7 @@
           <a:p>
             <a:r>
               <a:rPr lang="zh-CN" altLang="en-US" b="1" dirty="0"/>
-              <a:t>核心技术在系统中应</a:t>
-            </a:r>
-            <a:r>
-              <a:rPr lang="zh-CN" altLang="en-US" b="1" dirty="0" smtClean="0"/>
-              <a:t>用</a:t>
+              <a:t>核心技术在系统中应用</a:t>
             </a:r>
             <a:endParaRPr lang="en-US" dirty="0"/>
           </a:p>
@@ -8105,20 +7772,20 @@
               <a:lstStyle/>
               <a:p>
                 <a:r>
-                  <a:rPr lang="zh-CN" altLang="en-US" sz="2400" dirty="0" smtClean="0"/>
+                  <a:rPr lang="zh-CN" altLang="en-US" sz="2400" dirty="0"/>
                   <a:t>三、机器学习</a:t>
                 </a:r>
-                <a:endParaRPr lang="en-US" altLang="zh-CN" sz="2400" dirty="0" smtClean="0"/>
+                <a:endParaRPr lang="en-US" altLang="zh-CN" sz="2400" dirty="0"/>
               </a:p>
               <a:p>
                 <a:pPr marL="457200" lvl="1" indent="0">
                   <a:buNone/>
                 </a:pPr>
                 <a:r>
-                  <a:rPr lang="zh-CN" altLang="en-US" sz="2000" dirty="0" smtClean="0"/>
+                  <a:rPr lang="zh-CN" altLang="en-US" sz="2000" dirty="0"/>
                   <a:t>主成分分析法</a:t>
                 </a:r>
-                <a:endParaRPr lang="en-US" altLang="zh-CN" sz="2000" dirty="0" smtClean="0"/>
+                <a:endParaRPr lang="en-US" altLang="zh-CN" sz="2000" dirty="0"/>
               </a:p>
               <a:p>
                 <a:pPr marL="457200" lvl="1" indent="0">
@@ -8140,7 +7807,7 @@
                         <m:dPr>
                           <m:ctrlPr>
                             <a:rPr lang="en-US" sz="2000" i="1">
-                              <a:latin typeface="Cambria Math" charset="0"/>
+                              <a:latin typeface="Cambria Math" panose="02040503050406030204" pitchFamily="18" charset="0"/>
                             </a:rPr>
                           </m:ctrlPr>
                         </m:dPr>
@@ -8149,7 +7816,7 @@
                             <m:sSubPr>
                               <m:ctrlPr>
                                 <a:rPr lang="en-US" sz="2000" i="1">
-                                  <a:latin typeface="Cambria Math" charset="0"/>
+                                  <a:latin typeface="Cambria Math" panose="02040503050406030204" pitchFamily="18" charset="0"/>
                                 </a:rPr>
                               </m:ctrlPr>
                             </m:sSubPr>
@@ -8184,7 +7851,7 @@
                           <m:limLoc m:val="undOvr"/>
                           <m:ctrlPr>
                             <a:rPr lang="en-US" sz="2000" i="1">
-                              <a:latin typeface="Cambria Math" charset="0"/>
+                              <a:latin typeface="Cambria Math" panose="02040503050406030204" pitchFamily="18" charset="0"/>
                             </a:rPr>
                           </m:ctrlPr>
                         </m:naryPr>
@@ -8215,7 +7882,7 @@
                             <m:sSubPr>
                               <m:ctrlPr>
                                 <a:rPr lang="en-US" sz="2000" i="1">
-                                  <a:latin typeface="Cambria Math" charset="0"/>
+                                  <a:latin typeface="Cambria Math" panose="02040503050406030204" pitchFamily="18" charset="0"/>
                                 </a:rPr>
                               </m:ctrlPr>
                             </m:sSubPr>
@@ -8246,7 +7913,7 @@
                             <m:sSubPr>
                               <m:ctrlPr>
                                 <a:rPr lang="en-US" sz="2000" i="1">
-                                  <a:latin typeface="Cambria Math" charset="0"/>
+                                  <a:latin typeface="Cambria Math" panose="02040503050406030204" pitchFamily="18" charset="0"/>
                                 </a:rPr>
                               </m:ctrlPr>
                             </m:sSubPr>
@@ -8277,7 +7944,7 @@
                             <m:sSubPr>
                               <m:ctrlPr>
                                 <a:rPr lang="en-US" sz="2000" i="1">
-                                  <a:latin typeface="Cambria Math" charset="0"/>
+                                  <a:latin typeface="Cambria Math" panose="02040503050406030204" pitchFamily="18" charset="0"/>
                                 </a:rPr>
                               </m:ctrlPr>
                             </m:sSubPr>
@@ -8339,7 +8006,7 @@
                       <m:sSubPr>
                         <m:ctrlPr>
                           <a:rPr lang="en-US" sz="2000" i="1">
-                            <a:latin typeface="Cambria Math" charset="0"/>
+                            <a:latin typeface="Cambria Math" panose="02040503050406030204" pitchFamily="18" charset="0"/>
                             <a:ea typeface="SimSun" charset="-122"/>
                             <a:cs typeface="SimSun" charset="-122"/>
                           </a:rPr>
@@ -8374,15 +8041,7 @@
                     <a:ea typeface="SimSun" charset="-122"/>
                     <a:cs typeface="SimSun" charset="-122"/>
                   </a:rPr>
-                  <a:t>为</a:t>
-                </a:r>
-                <a:r>
-                  <a:rPr lang="zh-CN" altLang="en-US" sz="2000" dirty="0" smtClean="0">
-                    <a:latin typeface="SimSun" charset="-122"/>
-                    <a:ea typeface="SimSun" charset="-122"/>
-                    <a:cs typeface="SimSun" charset="-122"/>
-                  </a:rPr>
-                  <a:t>第</a:t>
+                  <a:t>为第</a:t>
                 </a:r>
                 <a14:m>
                   <m:oMath xmlns:m="http://schemas.openxmlformats.org/officeDocument/2006/math">
@@ -8397,28 +8056,12 @@
                   </m:oMath>
                 </a14:m>
                 <a:r>
-                  <a:rPr lang="zh-CN" altLang="en-US" sz="2000" dirty="0" smtClean="0">
-                    <a:latin typeface="SimSun" charset="-122"/>
-                    <a:ea typeface="SimSun" charset="-122"/>
-                    <a:cs typeface="SimSun" charset="-122"/>
-                  </a:rPr>
-                  <a:t>个</a:t>
-                </a:r>
-                <a:r>
                   <a:rPr lang="zh-CN" altLang="en-US" sz="2000" dirty="0">
                     <a:latin typeface="SimSun" charset="-122"/>
                     <a:ea typeface="SimSun" charset="-122"/>
                     <a:cs typeface="SimSun" charset="-122"/>
                   </a:rPr>
-                  <a:t>检测样本</a:t>
-                </a:r>
-                <a:r>
-                  <a:rPr lang="zh-CN" altLang="en-US" sz="2000" dirty="0" smtClean="0">
-                    <a:latin typeface="SimSun" charset="-122"/>
-                    <a:ea typeface="SimSun" charset="-122"/>
-                    <a:cs typeface="SimSun" charset="-122"/>
-                  </a:rPr>
-                  <a:t>报告</a:t>
+                  <a:t>个检测样本报告</a:t>
                 </a:r>
                 <a:endParaRPr lang="en-US" sz="2000" dirty="0">
                   <a:latin typeface="SimSun" charset="-122"/>
@@ -8436,7 +8079,7 @@
                       <m:sSubPr>
                         <m:ctrlPr>
                           <a:rPr lang="en-US" sz="2000" i="1">
-                            <a:latin typeface="Cambria Math" charset="0"/>
+                            <a:latin typeface="Cambria Math" panose="02040503050406030204" pitchFamily="18" charset="0"/>
                             <a:ea typeface="SimSun" charset="-122"/>
                             <a:cs typeface="SimSun" charset="-122"/>
                           </a:rPr>
@@ -8471,15 +8114,7 @@
                     <a:ea typeface="SimSun" charset="-122"/>
                     <a:cs typeface="SimSun" charset="-122"/>
                   </a:rPr>
-                  <a:t>为</a:t>
-                </a:r>
-                <a:r>
-                  <a:rPr lang="zh-CN" altLang="en-US" sz="2000" dirty="0" smtClean="0">
-                    <a:latin typeface="SimSun" charset="-122"/>
-                    <a:ea typeface="SimSun" charset="-122"/>
-                    <a:cs typeface="SimSun" charset="-122"/>
-                  </a:rPr>
-                  <a:t>第</a:t>
+                  <a:t>为第</a:t>
                 </a:r>
                 <a14:m>
                   <m:oMath xmlns:m="http://schemas.openxmlformats.org/officeDocument/2006/math">
@@ -8494,20 +8129,12 @@
                   </m:oMath>
                 </a14:m>
                 <a:r>
-                  <a:rPr lang="zh-CN" altLang="en-US" sz="2000" dirty="0" smtClean="0">
-                    <a:latin typeface="SimSun" charset="-122"/>
-                    <a:ea typeface="SimSun" charset="-122"/>
-                    <a:cs typeface="SimSun" charset="-122"/>
-                  </a:rPr>
-                  <a:t>个</a:t>
-                </a:r>
-                <a:r>
                   <a:rPr lang="zh-CN" altLang="en-US" sz="2000" dirty="0">
                     <a:latin typeface="SimSun" charset="-122"/>
                     <a:ea typeface="SimSun" charset="-122"/>
                     <a:cs typeface="SimSun" charset="-122"/>
                   </a:rPr>
-                  <a:t>测试项的权重，取值范围为</a:t>
+                  <a:t>个测试项的权重，取值范围为</a:t>
                 </a:r>
                 <a:r>
                   <a:rPr lang="en-US" sz="2000" dirty="0">
@@ -8557,7 +8184,7 @@
                       <m:sSubPr>
                         <m:ctrlPr>
                           <a:rPr lang="en-US" sz="2000" i="1">
-                            <a:latin typeface="Cambria Math" charset="0"/>
+                            <a:latin typeface="Cambria Math" panose="02040503050406030204" pitchFamily="18" charset="0"/>
                             <a:ea typeface="SimSun" charset="-122"/>
                             <a:cs typeface="SimSun" charset="-122"/>
                           </a:rPr>
@@ -8630,7 +8257,7 @@
                       <m:sSubPr>
                         <m:ctrlPr>
                           <a:rPr lang="en-US" sz="2000" i="1">
-                            <a:latin typeface="Cambria Math" charset="0"/>
+                            <a:latin typeface="Cambria Math" panose="02040503050406030204" pitchFamily="18" charset="0"/>
                             <a:ea typeface="SimSun" charset="-122"/>
                             <a:cs typeface="SimSun" charset="-122"/>
                           </a:rPr>
@@ -8697,7 +8324,7 @@
                 <a:pPr marL="457200" lvl="1" indent="0">
                   <a:buNone/>
                 </a:pPr>
-                <a:endParaRPr lang="en-US" altLang="zh-CN" sz="2000" dirty="0" smtClean="0"/>
+                <a:endParaRPr lang="en-US" altLang="zh-CN" sz="2000" dirty="0"/>
               </a:p>
             </p:txBody>
           </p:sp>
@@ -8750,13 +8377,6 @@
   <p:clrMapOvr>
     <a:masterClrMapping/>
   </p:clrMapOvr>
-  <p:timing>
-    <p:tnLst>
-      <p:par>
-        <p:cTn id="1" dur="indefinite" restart="never" nodeType="tmRoot"/>
-      </p:par>
-    </p:tnLst>
-  </p:timing>
 </p:sld>
 </file>
 
@@ -8801,11 +8421,7 @@
           <a:p>
             <a:r>
               <a:rPr lang="zh-CN" altLang="en-US" b="1" dirty="0"/>
-              <a:t>核心技术在系统中应</a:t>
-            </a:r>
-            <a:r>
-              <a:rPr lang="zh-CN" altLang="en-US" b="1" dirty="0" smtClean="0"/>
-              <a:t>用</a:t>
+              <a:t>核心技术在系统中应用</a:t>
             </a:r>
             <a:endParaRPr lang="en-US" dirty="0"/>
           </a:p>
@@ -8836,17 +8452,17 @@
               <a:lstStyle/>
               <a:p>
                 <a:r>
-                  <a:rPr lang="zh-CN" altLang="en-US" sz="2400" dirty="0" smtClean="0"/>
+                  <a:rPr lang="zh-CN" altLang="en-US" sz="2400" dirty="0"/>
                   <a:t>机器学习</a:t>
                 </a:r>
-                <a:endParaRPr lang="en-US" altLang="zh-CN" sz="2400" dirty="0" smtClean="0"/>
+                <a:endParaRPr lang="en-US" altLang="zh-CN" sz="2400" dirty="0"/>
               </a:p>
               <a:p>
                 <a:pPr marL="457200" lvl="1" indent="0">
                   <a:buNone/>
                 </a:pPr>
                 <a:r>
-                  <a:rPr lang="zh-CN" altLang="en-US" sz="2000" dirty="0" smtClean="0"/>
+                  <a:rPr lang="zh-CN" altLang="en-US" sz="2000" dirty="0"/>
                   <a:t>实践</a:t>
                 </a:r>
                 <a14:m>
@@ -8859,19 +8475,15 @@
                     </m:r>
                   </m:oMath>
                 </a14:m>
-                <a:endParaRPr lang="en-US" altLang="zh-CN" sz="2000" dirty="0" smtClean="0"/>
+                <a:endParaRPr lang="en-US" altLang="zh-CN" sz="2000" dirty="0"/>
               </a:p>
               <a:p>
                 <a:pPr marL="457200" lvl="1" indent="0">
                   <a:buNone/>
                 </a:pPr>
                 <a:r>
-                  <a:rPr lang="zh-CN" altLang="en-US" sz="2000" dirty="0" smtClean="0"/>
-                  <a:t>显示</a:t>
-                </a:r>
-                <a:r>
                   <a:rPr lang="zh-CN" altLang="en-US" sz="2000" dirty="0"/>
-                  <a:t>为我爱人从怀孕</a:t>
+                  <a:t>显示为我爱人从怀孕</a:t>
                 </a:r>
                 <a:r>
                   <a:rPr lang="en-US" sz="2000" dirty="0"/>
@@ -8889,7 +8501,7 @@
                   <a:rPr lang="zh-CN" altLang="en-US" sz="2000" dirty="0"/>
                   <a:t>个月每次血常规检查报告结果的综合值趋势</a:t>
                 </a:r>
-                <a:endParaRPr lang="en-US" altLang="zh-CN" sz="2000" dirty="0" smtClean="0"/>
+                <a:endParaRPr lang="en-US" altLang="zh-CN" sz="2000" dirty="0"/>
               </a:p>
             </p:txBody>
           </p:sp>
@@ -8964,13 +8576,6 @@
   <p:clrMapOvr>
     <a:masterClrMapping/>
   </p:clrMapOvr>
-  <p:timing>
-    <p:tnLst>
-      <p:par>
-        <p:cTn id="1" dur="indefinite" restart="never" nodeType="tmRoot"/>
-      </p:par>
-    </p:tnLst>
-  </p:timing>
 </p:sld>
 </file>
 
